--- a/05.JDBC.pptx
+++ b/05.JDBC.pptx
@@ -17,7 +17,22 @@
     <p:sldId id="330" r:id="rId11"/>
     <p:sldId id="331" r:id="rId12"/>
     <p:sldId id="332" r:id="rId13"/>
-    <p:sldId id="326" r:id="rId14"/>
+    <p:sldId id="333" r:id="rId14"/>
+    <p:sldId id="336" r:id="rId15"/>
+    <p:sldId id="337" r:id="rId16"/>
+    <p:sldId id="338" r:id="rId17"/>
+    <p:sldId id="339" r:id="rId18"/>
+    <p:sldId id="341" r:id="rId19"/>
+    <p:sldId id="340" r:id="rId20"/>
+    <p:sldId id="343" r:id="rId21"/>
+    <p:sldId id="342" r:id="rId22"/>
+    <p:sldId id="335" r:id="rId23"/>
+    <p:sldId id="344" r:id="rId24"/>
+    <p:sldId id="345" r:id="rId25"/>
+    <p:sldId id="346" r:id="rId26"/>
+    <p:sldId id="347" r:id="rId27"/>
+    <p:sldId id="348" r:id="rId28"/>
+    <p:sldId id="326" r:id="rId29"/>
   </p:sldIdLst>
   <p:sldSz cx="12192000" cy="6858000"/>
   <p:notesSz cx="6858000" cy="9144000"/>
@@ -848,7 +863,7 @@
           <a:p>
             <a:fld id="{E7E49A89-72C0-40C6-A55C-C6C12D525ACC}" type="datetimeFigureOut">
               <a:rPr lang="en-US" smtClean="0"/>
-              <a:t>7/8/2024</a:t>
+              <a:t>7/9/2024</a:t>
             </a:fld>
             <a:endParaRPr lang="en-US"/>
           </a:p>
@@ -1099,7 +1114,7 @@
           <a:p>
             <a:fld id="{E7E49A89-72C0-40C6-A55C-C6C12D525ACC}" type="datetimeFigureOut">
               <a:rPr lang="en-US" smtClean="0"/>
-              <a:t>7/8/2024</a:t>
+              <a:t>7/9/2024</a:t>
             </a:fld>
             <a:endParaRPr lang="en-US"/>
           </a:p>
@@ -1413,7 +1428,7 @@
           <a:p>
             <a:fld id="{E7E49A89-72C0-40C6-A55C-C6C12D525ACC}" type="datetimeFigureOut">
               <a:rPr lang="en-US" smtClean="0"/>
-              <a:t>7/8/2024</a:t>
+              <a:t>7/9/2024</a:t>
             </a:fld>
             <a:endParaRPr lang="en-US"/>
           </a:p>
@@ -1740,7 +1755,7 @@
           <a:p>
             <a:fld id="{E7E49A89-72C0-40C6-A55C-C6C12D525ACC}" type="datetimeFigureOut">
               <a:rPr lang="en-US" smtClean="0"/>
-              <a:t>7/8/2024</a:t>
+              <a:t>7/9/2024</a:t>
             </a:fld>
             <a:endParaRPr lang="en-US"/>
           </a:p>
@@ -2054,7 +2069,7 @@
           <a:p>
             <a:fld id="{E7E49A89-72C0-40C6-A55C-C6C12D525ACC}" type="datetimeFigureOut">
               <a:rPr lang="en-US" smtClean="0"/>
-              <a:t>7/8/2024</a:t>
+              <a:t>7/9/2024</a:t>
             </a:fld>
             <a:endParaRPr lang="en-US"/>
           </a:p>
@@ -2441,7 +2456,7 @@
           <a:p>
             <a:fld id="{E7E49A89-72C0-40C6-A55C-C6C12D525ACC}" type="datetimeFigureOut">
               <a:rPr lang="en-US" smtClean="0"/>
-              <a:t>7/8/2024</a:t>
+              <a:t>7/9/2024</a:t>
             </a:fld>
             <a:endParaRPr lang="en-US"/>
           </a:p>
@@ -2611,7 +2626,7 @@
           <a:p>
             <a:fld id="{E7E49A89-72C0-40C6-A55C-C6C12D525ACC}" type="datetimeFigureOut">
               <a:rPr lang="en-US" smtClean="0"/>
-              <a:t>7/8/2024</a:t>
+              <a:t>7/9/2024</a:t>
             </a:fld>
             <a:endParaRPr lang="en-US"/>
           </a:p>
@@ -2791,7 +2806,7 @@
           <a:p>
             <a:fld id="{E7E49A89-72C0-40C6-A55C-C6C12D525ACC}" type="datetimeFigureOut">
               <a:rPr lang="en-US" smtClean="0"/>
-              <a:t>7/8/2024</a:t>
+              <a:t>7/9/2024</a:t>
             </a:fld>
             <a:endParaRPr lang="en-US"/>
           </a:p>
@@ -2967,7 +2982,7 @@
           <a:p>
             <a:fld id="{E7E49A89-72C0-40C6-A55C-C6C12D525ACC}" type="datetimeFigureOut">
               <a:rPr lang="en-US" smtClean="0"/>
-              <a:t>7/8/2024</a:t>
+              <a:t>7/9/2024</a:t>
             </a:fld>
             <a:endParaRPr lang="en-US"/>
           </a:p>
@@ -3214,7 +3229,7 @@
           <a:p>
             <a:fld id="{E7E49A89-72C0-40C6-A55C-C6C12D525ACC}" type="datetimeFigureOut">
               <a:rPr lang="en-US" smtClean="0"/>
-              <a:t>7/8/2024</a:t>
+              <a:t>7/9/2024</a:t>
             </a:fld>
             <a:endParaRPr lang="en-US"/>
           </a:p>
@@ -3446,7 +3461,7 @@
           <a:p>
             <a:fld id="{E7E49A89-72C0-40C6-A55C-C6C12D525ACC}" type="datetimeFigureOut">
               <a:rPr lang="en-US" smtClean="0"/>
-              <a:t>7/8/2024</a:t>
+              <a:t>7/9/2024</a:t>
             </a:fld>
             <a:endParaRPr lang="en-US"/>
           </a:p>
@@ -3820,7 +3835,7 @@
           <a:p>
             <a:fld id="{E7E49A89-72C0-40C6-A55C-C6C12D525ACC}" type="datetimeFigureOut">
               <a:rPr lang="en-US" smtClean="0"/>
-              <a:t>7/8/2024</a:t>
+              <a:t>7/9/2024</a:t>
             </a:fld>
             <a:endParaRPr lang="en-US"/>
           </a:p>
@@ -3943,7 +3958,7 @@
           <a:p>
             <a:fld id="{E7E49A89-72C0-40C6-A55C-C6C12D525ACC}" type="datetimeFigureOut">
               <a:rPr lang="en-US" smtClean="0"/>
-              <a:t>7/8/2024</a:t>
+              <a:t>7/9/2024</a:t>
             </a:fld>
             <a:endParaRPr lang="en-US"/>
           </a:p>
@@ -4038,7 +4053,7 @@
           <a:p>
             <a:fld id="{E7E49A89-72C0-40C6-A55C-C6C12D525ACC}" type="datetimeFigureOut">
               <a:rPr lang="en-US" smtClean="0"/>
-              <a:t>7/8/2024</a:t>
+              <a:t>7/9/2024</a:t>
             </a:fld>
             <a:endParaRPr lang="en-US"/>
           </a:p>
@@ -4293,7 +4308,7 @@
           <a:p>
             <a:fld id="{E7E49A89-72C0-40C6-A55C-C6C12D525ACC}" type="datetimeFigureOut">
               <a:rPr lang="en-US" smtClean="0"/>
-              <a:t>7/8/2024</a:t>
+              <a:t>7/9/2024</a:t>
             </a:fld>
             <a:endParaRPr lang="en-US"/>
           </a:p>
@@ -4556,7 +4571,7 @@
           <a:p>
             <a:fld id="{E7E49A89-72C0-40C6-A55C-C6C12D525ACC}" type="datetimeFigureOut">
               <a:rPr lang="en-US" smtClean="0"/>
-              <a:t>7/8/2024</a:t>
+              <a:t>7/9/2024</a:t>
             </a:fld>
             <a:endParaRPr lang="en-US"/>
           </a:p>
@@ -5301,7 +5316,7 @@
           <a:p>
             <a:fld id="{E7E49A89-72C0-40C6-A55C-C6C12D525ACC}" type="datetimeFigureOut">
               <a:rPr lang="en-US" smtClean="0"/>
-              <a:t>7/8/2024</a:t>
+              <a:t>7/9/2024</a:t>
             </a:fld>
             <a:endParaRPr lang="en-US"/>
           </a:p>
@@ -5942,10 +5957,6 @@
               </a:rPr>
               <a:t>JdbcTemplate</a:t>
             </a:r>
-            <a:endParaRPr lang="en-US" dirty="0">
-              <a:latin typeface="Arial" panose="020B0604020202020204" pitchFamily="34" charset="0"/>
-              <a:cs typeface="Arial" panose="020B0604020202020204" pitchFamily="34" charset="0"/>
-            </a:endParaRPr>
           </a:p>
         </p:txBody>
       </p:sp>
@@ -6333,7 +6344,7 @@
                 <a:latin typeface="Arial" panose="020B0604020202020204" pitchFamily="34" charset="0"/>
                 <a:cs typeface="Arial" panose="020B0604020202020204" pitchFamily="34" charset="0"/>
               </a:rPr>
-              <a:t>Exercise</a:t>
+              <a:t>Query</a:t>
             </a:r>
             <a:endParaRPr lang="en-US" dirty="0">
               <a:latin typeface="Arial" panose="020B0604020202020204" pitchFamily="34" charset="0"/>
@@ -6358,18 +6369,80 @@
           <a:lstStyle/>
           <a:p>
             <a:r>
+              <a:rPr lang="en-US" dirty="0" smtClean="0">
+                <a:latin typeface="Arial" panose="020B0604020202020204" pitchFamily="34" charset="0"/>
+                <a:cs typeface="Arial" panose="020B0604020202020204" pitchFamily="34" charset="0"/>
+              </a:rPr>
+              <a:t>Một </a:t>
+            </a:r>
+            <a:r>
+              <a:rPr lang="vi-VN" dirty="0" smtClean="0">
+                <a:latin typeface="Arial" panose="020B0604020202020204" pitchFamily="34" charset="0"/>
+                <a:cs typeface="Arial" panose="020B0604020202020204" pitchFamily="34" charset="0"/>
+              </a:rPr>
+              <a:t>số </a:t>
+            </a:r>
+            <a:r>
+              <a:rPr lang="vi-VN" dirty="0">
+                <a:latin typeface="Arial" panose="020B0604020202020204" pitchFamily="34" charset="0"/>
+                <a:cs typeface="Arial" panose="020B0604020202020204" pitchFamily="34" charset="0"/>
+              </a:rPr>
+              <a:t>query phổ biến trong JdbcTemplate</a:t>
+            </a:r>
+            <a:r>
+              <a:rPr lang="vi-VN" dirty="0" smtClean="0">
+                <a:latin typeface="Arial" panose="020B0604020202020204" pitchFamily="34" charset="0"/>
+                <a:cs typeface="Arial" panose="020B0604020202020204" pitchFamily="34" charset="0"/>
+              </a:rPr>
+              <a:t>:</a:t>
+            </a:r>
+            <a:endParaRPr lang="en-US" dirty="0" smtClean="0">
+              <a:latin typeface="Arial" panose="020B0604020202020204" pitchFamily="34" charset="0"/>
+              <a:cs typeface="Arial" panose="020B0604020202020204" pitchFamily="34" charset="0"/>
+            </a:endParaRPr>
+          </a:p>
+          <a:p>
+            <a:pPr lvl="1"/>
+            <a:r>
+              <a:rPr lang="en-US" dirty="0" smtClean="0">
+                <a:latin typeface="Arial" panose="020B0604020202020204" pitchFamily="34" charset="0"/>
+                <a:cs typeface="Arial" panose="020B0604020202020204" pitchFamily="34" charset="0"/>
+              </a:rPr>
+              <a:t>queryForObject</a:t>
+            </a:r>
+          </a:p>
+          <a:p>
+            <a:pPr lvl="1"/>
+            <a:r>
+              <a:rPr lang="en-US" dirty="0" smtClean="0">
+                <a:latin typeface="Arial" panose="020B0604020202020204" pitchFamily="34" charset="0"/>
+                <a:cs typeface="Arial" panose="020B0604020202020204" pitchFamily="34" charset="0"/>
+              </a:rPr>
+              <a:t>queryForList</a:t>
+            </a:r>
+          </a:p>
+          <a:p>
+            <a:pPr lvl="1"/>
+            <a:r>
               <a:rPr lang="en-US" dirty="0">
                 <a:latin typeface="Arial" panose="020B0604020202020204" pitchFamily="34" charset="0"/>
                 <a:cs typeface="Arial" panose="020B0604020202020204" pitchFamily="34" charset="0"/>
               </a:rPr>
-              <a:t>Tạo </a:t>
-            </a:r>
+              <a:t>query</a:t>
+            </a:r>
+            <a:endParaRPr lang="en-US" dirty="0" smtClean="0">
+              <a:latin typeface="Arial" panose="020B0604020202020204" pitchFamily="34" charset="0"/>
+              <a:cs typeface="Arial" panose="020B0604020202020204" pitchFamily="34" charset="0"/>
+            </a:endParaRPr>
+          </a:p>
+          <a:p>
+            <a:pPr lvl="1"/>
             <a:r>
               <a:rPr lang="en-US" dirty="0" smtClean="0">
                 <a:latin typeface="Arial" panose="020B0604020202020204" pitchFamily="34" charset="0"/>
                 <a:cs typeface="Arial" panose="020B0604020202020204" pitchFamily="34" charset="0"/>
               </a:rPr>
-              <a:t>file:</a:t>
+              <a:t>update</a:t>
             </a:r>
           </a:p>
           <a:p>
@@ -6379,30 +6452,170 @@
                 <a:latin typeface="Arial" panose="020B0604020202020204" pitchFamily="34" charset="0"/>
                 <a:cs typeface="Arial" panose="020B0604020202020204" pitchFamily="34" charset="0"/>
               </a:rPr>
-              <a:t>src/main/resources/schema.sql (Tạo table)</a:t>
+              <a:t>batchUpdate</a:t>
             </a:r>
           </a:p>
           <a:p>
             <a:pPr lvl="1"/>
-            <a:r>
-              <a:rPr lang="en-US" dirty="0" smtClean="0">
-                <a:latin typeface="Arial" panose="020B0604020202020204" pitchFamily="34" charset="0"/>
-                <a:cs typeface="Arial" panose="020B0604020202020204" pitchFamily="34" charset="0"/>
-              </a:rPr>
-              <a:t>src/main/resources/data.sql (Tạo data)</a:t>
-            </a:r>
             <a:endParaRPr lang="en-US" dirty="0">
               <a:latin typeface="Arial" panose="020B0604020202020204" pitchFamily="34" charset="0"/>
               <a:cs typeface="Arial" panose="020B0604020202020204" pitchFamily="34" charset="0"/>
             </a:endParaRPr>
           </a:p>
-          <a:p>
+        </p:txBody>
+      </p:sp>
+    </p:spTree>
+    <p:extLst>
+      <p:ext uri="{BB962C8B-B14F-4D97-AF65-F5344CB8AC3E}">
+        <p14:creationId xmlns:p14="http://schemas.microsoft.com/office/powerpoint/2010/main" val="2243070159"/>
+      </p:ext>
+    </p:extLst>
+  </p:cSld>
+  <p:clrMapOvr>
+    <a:masterClrMapping/>
+  </p:clrMapOvr>
+</p:sld>
+</file>
+
+<file path=ppt/slides/slide14.xml><?xml version="1.0" encoding="utf-8"?>
+<p:sld xmlns:a="http://schemas.openxmlformats.org/drawingml/2006/main" xmlns:r="http://schemas.openxmlformats.org/officeDocument/2006/relationships" xmlns:p="http://schemas.openxmlformats.org/presentationml/2006/main">
+  <p:cSld>
+    <p:spTree>
+      <p:nvGrpSpPr>
+        <p:cNvPr id="1" name=""/>
+        <p:cNvGrpSpPr/>
+        <p:nvPr/>
+      </p:nvGrpSpPr>
+      <p:grpSpPr>
+        <a:xfrm>
+          <a:off x="0" y="0"/>
+          <a:ext cx="0" cy="0"/>
+          <a:chOff x="0" y="0"/>
+          <a:chExt cx="0" cy="0"/>
+        </a:xfrm>
+      </p:grpSpPr>
+      <p:sp>
+        <p:nvSpPr>
+          <p:cNvPr id="2" name="Title 1"/>
+          <p:cNvSpPr>
+            <a:spLocks noGrp="1"/>
+          </p:cNvSpPr>
+          <p:nvPr>
+            <p:ph type="title"/>
+          </p:nvPr>
+        </p:nvSpPr>
+        <p:spPr/>
+        <p:txBody>
+          <a:bodyPr/>
+          <a:lstStyle/>
+          <a:p>
+            <a:r>
+              <a:rPr lang="en-US" dirty="0">
+                <a:latin typeface="Arial" panose="020B0604020202020204" pitchFamily="34" charset="0"/>
+                <a:cs typeface="Arial" panose="020B0604020202020204" pitchFamily="34" charset="0"/>
+              </a:rPr>
+              <a:t>queryForObject</a:t>
+            </a:r>
+            <a:endParaRPr lang="en-US" dirty="0">
+              <a:latin typeface="Arial" panose="020B0604020202020204" pitchFamily="34" charset="0"/>
+              <a:cs typeface="Arial" panose="020B0604020202020204" pitchFamily="34" charset="0"/>
+            </a:endParaRPr>
+          </a:p>
+        </p:txBody>
+      </p:sp>
+      <p:sp>
+        <p:nvSpPr>
+          <p:cNvPr id="3" name="Content Placeholder 2"/>
+          <p:cNvSpPr>
+            <a:spLocks noGrp="1"/>
+          </p:cNvSpPr>
+          <p:nvPr>
+            <p:ph idx="1"/>
+          </p:nvPr>
+        </p:nvSpPr>
+        <p:spPr/>
+        <p:txBody>
+          <a:bodyPr/>
+          <a:lstStyle/>
+          <a:p>
+            <a:r>
+              <a:rPr lang="vi-VN" dirty="0" smtClean="0">
+                <a:latin typeface="Arial" panose="020B0604020202020204" pitchFamily="34" charset="0"/>
+                <a:cs typeface="Arial" panose="020B0604020202020204" pitchFamily="34" charset="0"/>
+              </a:rPr>
+              <a:t>Truy </a:t>
+            </a:r>
+            <a:r>
+              <a:rPr lang="vi-VN" dirty="0">
+                <a:latin typeface="Arial" panose="020B0604020202020204" pitchFamily="34" charset="0"/>
+                <a:cs typeface="Arial" panose="020B0604020202020204" pitchFamily="34" charset="0"/>
+              </a:rPr>
+              <a:t>vấn một đối tượng duy nhất từ cơ sở dữ </a:t>
+            </a:r>
+            <a:r>
+              <a:rPr lang="vi-VN" dirty="0" smtClean="0">
+                <a:latin typeface="Arial" panose="020B0604020202020204" pitchFamily="34" charset="0"/>
+                <a:cs typeface="Arial" panose="020B0604020202020204" pitchFamily="34" charset="0"/>
+              </a:rPr>
+              <a:t>liệu.</a:t>
+            </a:r>
             <a:endParaRPr lang="en-US" dirty="0" smtClean="0">
               <a:latin typeface="Arial" panose="020B0604020202020204" pitchFamily="34" charset="0"/>
               <a:cs typeface="Arial" panose="020B0604020202020204" pitchFamily="34" charset="0"/>
             </a:endParaRPr>
           </a:p>
           <a:p>
+            <a:r>
+              <a:rPr lang="vi-VN" dirty="0" smtClean="0">
+                <a:latin typeface="Arial" panose="020B0604020202020204" pitchFamily="34" charset="0"/>
+                <a:cs typeface="Arial" panose="020B0604020202020204" pitchFamily="34" charset="0"/>
+              </a:rPr>
+              <a:t>Thường </a:t>
+            </a:r>
+            <a:r>
+              <a:rPr lang="vi-VN" dirty="0">
+                <a:latin typeface="Arial" panose="020B0604020202020204" pitchFamily="34" charset="0"/>
+                <a:cs typeface="Arial" panose="020B0604020202020204" pitchFamily="34" charset="0"/>
+              </a:rPr>
+              <a:t>sử dụng khi truy vấn dự kiến chỉ trả về một hàng dữ liệu</a:t>
+            </a:r>
+            <a:r>
+              <a:rPr lang="vi-VN" dirty="0" smtClean="0">
+                <a:latin typeface="Arial" panose="020B0604020202020204" pitchFamily="34" charset="0"/>
+                <a:cs typeface="Arial" panose="020B0604020202020204" pitchFamily="34" charset="0"/>
+              </a:rPr>
+              <a:t>.</a:t>
+            </a:r>
+            <a:endParaRPr lang="en-US" dirty="0" smtClean="0">
+              <a:latin typeface="Arial" panose="020B0604020202020204" pitchFamily="34" charset="0"/>
+              <a:cs typeface="Arial" panose="020B0604020202020204" pitchFamily="34" charset="0"/>
+            </a:endParaRPr>
+          </a:p>
+          <a:p>
+            <a:r>
+              <a:rPr lang="vi-VN" dirty="0">
+                <a:cs typeface="Arial" panose="020B0604020202020204" pitchFamily="34" charset="0"/>
+              </a:rPr>
+              <a:t>Nếu không có hàng nào hoặc có nhiều hơn một hàng được trả về, phương thức này sẽ ném ra một </a:t>
+            </a:r>
+            <a:r>
+              <a:rPr lang="en-US" dirty="0" smtClean="0">
+                <a:cs typeface="Arial" panose="020B0604020202020204" pitchFamily="34" charset="0"/>
+              </a:rPr>
+              <a:t>exception</a:t>
+            </a:r>
+            <a:r>
+              <a:rPr lang="vi-VN" dirty="0" smtClean="0">
+                <a:cs typeface="Arial" panose="020B0604020202020204" pitchFamily="34" charset="0"/>
+              </a:rPr>
+              <a:t>.</a:t>
+            </a:r>
+            <a:endParaRPr lang="en-US" dirty="0" smtClean="0">
+              <a:latin typeface="Arial" panose="020B0604020202020204" pitchFamily="34" charset="0"/>
+              <a:cs typeface="Arial" panose="020B0604020202020204" pitchFamily="34" charset="0"/>
+            </a:endParaRPr>
+          </a:p>
+          <a:p>
             <a:endParaRPr lang="en-US" dirty="0">
               <a:latin typeface="Arial" panose="020B0604020202020204" pitchFamily="34" charset="0"/>
               <a:cs typeface="Arial" panose="020B0604020202020204" pitchFamily="34" charset="0"/>
@@ -6414,8 +6627,270 @@
                 <a:latin typeface="Arial" panose="020B0604020202020204" pitchFamily="34" charset="0"/>
                 <a:cs typeface="Arial" panose="020B0604020202020204" pitchFamily="34" charset="0"/>
               </a:rPr>
-              <a:t>Cách cấu hình để khi start app sẽ tự động tạo table + data</a:t>
-            </a:r>
+              <a:t>Ví dụ count tất cả user:</a:t>
+            </a:r>
+          </a:p>
+          <a:p>
+            <a:pPr lvl="1"/>
+            <a:endParaRPr lang="en-US" dirty="0">
+              <a:latin typeface="Arial" panose="020B0604020202020204" pitchFamily="34" charset="0"/>
+              <a:cs typeface="Arial" panose="020B0604020202020204" pitchFamily="34" charset="0"/>
+            </a:endParaRPr>
+          </a:p>
+        </p:txBody>
+      </p:sp>
+      <p:pic>
+        <p:nvPicPr>
+          <p:cNvPr id="4" name="Picture 3"/>
+          <p:cNvPicPr>
+            <a:picLocks noChangeAspect="1"/>
+          </p:cNvPicPr>
+          <p:nvPr/>
+        </p:nvPicPr>
+        <p:blipFill>
+          <a:blip r:embed="rId2"/>
+          <a:stretch>
+            <a:fillRect/>
+          </a:stretch>
+        </p:blipFill>
+        <p:spPr>
+          <a:xfrm>
+            <a:off x="677334" y="4564987"/>
+            <a:ext cx="4648200" cy="1076325"/>
+          </a:xfrm>
+          <a:prstGeom prst="rect">
+            <a:avLst/>
+          </a:prstGeom>
+        </p:spPr>
+      </p:pic>
+    </p:spTree>
+    <p:extLst>
+      <p:ext uri="{BB962C8B-B14F-4D97-AF65-F5344CB8AC3E}">
+        <p14:creationId xmlns:p14="http://schemas.microsoft.com/office/powerpoint/2010/main" val="1830923487"/>
+      </p:ext>
+    </p:extLst>
+  </p:cSld>
+  <p:clrMapOvr>
+    <a:masterClrMapping/>
+  </p:clrMapOvr>
+</p:sld>
+</file>
+
+<file path=ppt/slides/slide15.xml><?xml version="1.0" encoding="utf-8"?>
+<p:sld xmlns:a="http://schemas.openxmlformats.org/drawingml/2006/main" xmlns:r="http://schemas.openxmlformats.org/officeDocument/2006/relationships" xmlns:p="http://schemas.openxmlformats.org/presentationml/2006/main">
+  <p:cSld>
+    <p:spTree>
+      <p:nvGrpSpPr>
+        <p:cNvPr id="1" name=""/>
+        <p:cNvGrpSpPr/>
+        <p:nvPr/>
+      </p:nvGrpSpPr>
+      <p:grpSpPr>
+        <a:xfrm>
+          <a:off x="0" y="0"/>
+          <a:ext cx="0" cy="0"/>
+          <a:chOff x="0" y="0"/>
+          <a:chExt cx="0" cy="0"/>
+        </a:xfrm>
+      </p:grpSpPr>
+      <p:sp>
+        <p:nvSpPr>
+          <p:cNvPr id="2" name="Title 1"/>
+          <p:cNvSpPr>
+            <a:spLocks noGrp="1"/>
+          </p:cNvSpPr>
+          <p:nvPr>
+            <p:ph type="title"/>
+          </p:nvPr>
+        </p:nvSpPr>
+        <p:spPr/>
+        <p:txBody>
+          <a:bodyPr/>
+          <a:lstStyle/>
+          <a:p>
+            <a:r>
+              <a:rPr lang="en-US" dirty="0">
+                <a:latin typeface="Arial" panose="020B0604020202020204" pitchFamily="34" charset="0"/>
+                <a:cs typeface="Arial" panose="020B0604020202020204" pitchFamily="34" charset="0"/>
+              </a:rPr>
+              <a:t>queryForObject</a:t>
+            </a:r>
+            <a:endParaRPr lang="en-US" dirty="0">
+              <a:latin typeface="Arial" panose="020B0604020202020204" pitchFamily="34" charset="0"/>
+              <a:cs typeface="Arial" panose="020B0604020202020204" pitchFamily="34" charset="0"/>
+            </a:endParaRPr>
+          </a:p>
+        </p:txBody>
+      </p:sp>
+      <p:sp>
+        <p:nvSpPr>
+          <p:cNvPr id="3" name="Content Placeholder 2"/>
+          <p:cNvSpPr>
+            <a:spLocks noGrp="1"/>
+          </p:cNvSpPr>
+          <p:nvPr>
+            <p:ph idx="1"/>
+          </p:nvPr>
+        </p:nvSpPr>
+        <p:spPr/>
+        <p:txBody>
+          <a:bodyPr/>
+          <a:lstStyle/>
+          <a:p>
+            <a:r>
+              <a:rPr lang="en-US" dirty="0" smtClean="0">
+                <a:latin typeface="Arial" panose="020B0604020202020204" pitchFamily="34" charset="0"/>
+                <a:cs typeface="Arial" panose="020B0604020202020204" pitchFamily="34" charset="0"/>
+              </a:rPr>
+              <a:t>Ví dụ get thông tin user theo id:</a:t>
+            </a:r>
+          </a:p>
+          <a:p>
+            <a:pPr lvl="1"/>
+            <a:endParaRPr lang="en-US" dirty="0">
+              <a:latin typeface="Arial" panose="020B0604020202020204" pitchFamily="34" charset="0"/>
+              <a:cs typeface="Arial" panose="020B0604020202020204" pitchFamily="34" charset="0"/>
+            </a:endParaRPr>
+          </a:p>
+        </p:txBody>
+      </p:sp>
+      <p:pic>
+        <p:nvPicPr>
+          <p:cNvPr id="5" name="Picture 4"/>
+          <p:cNvPicPr>
+            <a:picLocks noChangeAspect="1"/>
+          </p:cNvPicPr>
+          <p:nvPr/>
+        </p:nvPicPr>
+        <p:blipFill>
+          <a:blip r:embed="rId2"/>
+          <a:stretch>
+            <a:fillRect/>
+          </a:stretch>
+        </p:blipFill>
+        <p:spPr>
+          <a:xfrm>
+            <a:off x="677334" y="2689225"/>
+            <a:ext cx="5438775" cy="1047750"/>
+          </a:xfrm>
+          <a:prstGeom prst="rect">
+            <a:avLst/>
+          </a:prstGeom>
+        </p:spPr>
+      </p:pic>
+      <p:pic>
+        <p:nvPicPr>
+          <p:cNvPr id="6" name="Picture 5"/>
+          <p:cNvPicPr>
+            <a:picLocks noChangeAspect="1"/>
+          </p:cNvPicPr>
+          <p:nvPr/>
+        </p:nvPicPr>
+        <p:blipFill>
+          <a:blip r:embed="rId3"/>
+          <a:stretch>
+            <a:fillRect/>
+          </a:stretch>
+        </p:blipFill>
+        <p:spPr>
+          <a:xfrm>
+            <a:off x="677334" y="3967164"/>
+            <a:ext cx="9220200" cy="1524000"/>
+          </a:xfrm>
+          <a:prstGeom prst="rect">
+            <a:avLst/>
+          </a:prstGeom>
+        </p:spPr>
+      </p:pic>
+    </p:spTree>
+    <p:extLst>
+      <p:ext uri="{BB962C8B-B14F-4D97-AF65-F5344CB8AC3E}">
+        <p14:creationId xmlns:p14="http://schemas.microsoft.com/office/powerpoint/2010/main" val="1314979621"/>
+      </p:ext>
+    </p:extLst>
+  </p:cSld>
+  <p:clrMapOvr>
+    <a:masterClrMapping/>
+  </p:clrMapOvr>
+</p:sld>
+</file>
+
+<file path=ppt/slides/slide16.xml><?xml version="1.0" encoding="utf-8"?>
+<p:sld xmlns:a="http://schemas.openxmlformats.org/drawingml/2006/main" xmlns:r="http://schemas.openxmlformats.org/officeDocument/2006/relationships" xmlns:p="http://schemas.openxmlformats.org/presentationml/2006/main">
+  <p:cSld>
+    <p:spTree>
+      <p:nvGrpSpPr>
+        <p:cNvPr id="1" name=""/>
+        <p:cNvGrpSpPr/>
+        <p:nvPr/>
+      </p:nvGrpSpPr>
+      <p:grpSpPr>
+        <a:xfrm>
+          <a:off x="0" y="0"/>
+          <a:ext cx="0" cy="0"/>
+          <a:chOff x="0" y="0"/>
+          <a:chExt cx="0" cy="0"/>
+        </a:xfrm>
+      </p:grpSpPr>
+      <p:sp>
+        <p:nvSpPr>
+          <p:cNvPr id="2" name="Title 1"/>
+          <p:cNvSpPr>
+            <a:spLocks noGrp="1"/>
+          </p:cNvSpPr>
+          <p:nvPr>
+            <p:ph type="title"/>
+          </p:nvPr>
+        </p:nvSpPr>
+        <p:spPr/>
+        <p:txBody>
+          <a:bodyPr/>
+          <a:lstStyle/>
+          <a:p>
+            <a:r>
+              <a:rPr lang="en-US" dirty="0">
+                <a:latin typeface="Arial" panose="020B0604020202020204" pitchFamily="34" charset="0"/>
+                <a:cs typeface="Arial" panose="020B0604020202020204" pitchFamily="34" charset="0"/>
+              </a:rPr>
+              <a:t>queryForObject</a:t>
+            </a:r>
+            <a:endParaRPr lang="en-US" dirty="0">
+              <a:latin typeface="Arial" panose="020B0604020202020204" pitchFamily="34" charset="0"/>
+              <a:cs typeface="Arial" panose="020B0604020202020204" pitchFamily="34" charset="0"/>
+            </a:endParaRPr>
+          </a:p>
+        </p:txBody>
+      </p:sp>
+      <p:sp>
+        <p:nvSpPr>
+          <p:cNvPr id="3" name="Content Placeholder 2"/>
+          <p:cNvSpPr>
+            <a:spLocks noGrp="1"/>
+          </p:cNvSpPr>
+          <p:nvPr>
+            <p:ph idx="1"/>
+          </p:nvPr>
+        </p:nvSpPr>
+        <p:spPr/>
+        <p:txBody>
+          <a:bodyPr/>
+          <a:lstStyle/>
+          <a:p>
+            <a:r>
+              <a:rPr lang="en-US" dirty="0" smtClean="0">
+                <a:latin typeface="Arial" panose="020B0604020202020204" pitchFamily="34" charset="0"/>
+                <a:cs typeface="Arial" panose="020B0604020202020204" pitchFamily="34" charset="0"/>
+              </a:rPr>
+              <a:t>Ví dụ get thông tin user theo name:</a:t>
+            </a:r>
+          </a:p>
+          <a:p>
+            <a:endParaRPr lang="en-US" dirty="0">
+              <a:latin typeface="Arial" panose="020B0604020202020204" pitchFamily="34" charset="0"/>
+              <a:cs typeface="Arial" panose="020B0604020202020204" pitchFamily="34" charset="0"/>
+            </a:endParaRPr>
+          </a:p>
+          <a:p>
             <a:endParaRPr lang="en-US" dirty="0" smtClean="0">
               <a:latin typeface="Arial" panose="020B0604020202020204" pitchFamily="34" charset="0"/>
               <a:cs typeface="Arial" panose="020B0604020202020204" pitchFamily="34" charset="0"/>
@@ -6427,12 +6902,527 @@
               <a:cs typeface="Arial" panose="020B0604020202020204" pitchFamily="34" charset="0"/>
             </a:endParaRPr>
           </a:p>
-        </p:txBody>
-      </p:sp>
+          <a:p>
+            <a:endParaRPr lang="en-US" dirty="0" smtClean="0">
+              <a:latin typeface="Arial" panose="020B0604020202020204" pitchFamily="34" charset="0"/>
+              <a:cs typeface="Arial" panose="020B0604020202020204" pitchFamily="34" charset="0"/>
+            </a:endParaRPr>
+          </a:p>
+          <a:p>
+            <a:r>
+              <a:rPr lang="en-US" dirty="0" smtClean="0">
+                <a:latin typeface="Arial" panose="020B0604020202020204" pitchFamily="34" charset="0"/>
+                <a:cs typeface="Arial" panose="020B0604020202020204" pitchFamily="34" charset="0"/>
+              </a:rPr>
+              <a:t>Thử trường hợp 0 kết quả, 1 kết quả và nhiều kết quả trả về</a:t>
+            </a:r>
+          </a:p>
+          <a:p>
+            <a:pPr lvl="1"/>
+            <a:endParaRPr lang="en-US" dirty="0">
+              <a:latin typeface="Arial" panose="020B0604020202020204" pitchFamily="34" charset="0"/>
+              <a:cs typeface="Arial" panose="020B0604020202020204" pitchFamily="34" charset="0"/>
+            </a:endParaRPr>
+          </a:p>
+        </p:txBody>
+      </p:sp>
+      <p:pic>
+        <p:nvPicPr>
+          <p:cNvPr id="4" name="Picture 3"/>
+          <p:cNvPicPr>
+            <a:picLocks noChangeAspect="1"/>
+          </p:cNvPicPr>
+          <p:nvPr/>
+        </p:nvPicPr>
+        <p:blipFill>
+          <a:blip r:embed="rId2"/>
+          <a:stretch>
+            <a:fillRect/>
+          </a:stretch>
+        </p:blipFill>
+        <p:spPr>
+          <a:xfrm>
+            <a:off x="677334" y="2709862"/>
+            <a:ext cx="6943725" cy="1095375"/>
+          </a:xfrm>
+          <a:prstGeom prst="rect">
+            <a:avLst/>
+          </a:prstGeom>
+        </p:spPr>
+      </p:pic>
     </p:spTree>
     <p:extLst>
       <p:ext uri="{BB962C8B-B14F-4D97-AF65-F5344CB8AC3E}">
-        <p14:creationId xmlns:p14="http://schemas.microsoft.com/office/powerpoint/2010/main" val="3614841683"/>
+        <p14:creationId xmlns:p14="http://schemas.microsoft.com/office/powerpoint/2010/main" val="2702882553"/>
+      </p:ext>
+    </p:extLst>
+  </p:cSld>
+  <p:clrMapOvr>
+    <a:masterClrMapping/>
+  </p:clrMapOvr>
+</p:sld>
+</file>
+
+<file path=ppt/slides/slide17.xml><?xml version="1.0" encoding="utf-8"?>
+<p:sld xmlns:a="http://schemas.openxmlformats.org/drawingml/2006/main" xmlns:r="http://schemas.openxmlformats.org/officeDocument/2006/relationships" xmlns:p="http://schemas.openxmlformats.org/presentationml/2006/main">
+  <p:cSld>
+    <p:spTree>
+      <p:nvGrpSpPr>
+        <p:cNvPr id="1" name=""/>
+        <p:cNvGrpSpPr/>
+        <p:nvPr/>
+      </p:nvGrpSpPr>
+      <p:grpSpPr>
+        <a:xfrm>
+          <a:off x="0" y="0"/>
+          <a:ext cx="0" cy="0"/>
+          <a:chOff x="0" y="0"/>
+          <a:chExt cx="0" cy="0"/>
+        </a:xfrm>
+      </p:grpSpPr>
+      <p:sp>
+        <p:nvSpPr>
+          <p:cNvPr id="2" name="Title 1"/>
+          <p:cNvSpPr>
+            <a:spLocks noGrp="1"/>
+          </p:cNvSpPr>
+          <p:nvPr>
+            <p:ph type="title"/>
+          </p:nvPr>
+        </p:nvSpPr>
+        <p:spPr/>
+        <p:txBody>
+          <a:bodyPr/>
+          <a:lstStyle/>
+          <a:p>
+            <a:r>
+              <a:rPr lang="en-US" dirty="0">
+                <a:latin typeface="Arial" panose="020B0604020202020204" pitchFamily="34" charset="0"/>
+                <a:cs typeface="Arial" panose="020B0604020202020204" pitchFamily="34" charset="0"/>
+              </a:rPr>
+              <a:t>RowMapper</a:t>
+            </a:r>
+            <a:endParaRPr lang="en-US" dirty="0">
+              <a:latin typeface="Arial" panose="020B0604020202020204" pitchFamily="34" charset="0"/>
+              <a:cs typeface="Arial" panose="020B0604020202020204" pitchFamily="34" charset="0"/>
+            </a:endParaRPr>
+          </a:p>
+        </p:txBody>
+      </p:sp>
+      <p:sp>
+        <p:nvSpPr>
+          <p:cNvPr id="3" name="Content Placeholder 2"/>
+          <p:cNvSpPr>
+            <a:spLocks noGrp="1"/>
+          </p:cNvSpPr>
+          <p:nvPr>
+            <p:ph idx="1"/>
+          </p:nvPr>
+        </p:nvSpPr>
+        <p:spPr/>
+        <p:txBody>
+          <a:bodyPr/>
+          <a:lstStyle/>
+          <a:p>
+            <a:endParaRPr lang="en-US" dirty="0" smtClean="0">
+              <a:latin typeface="Arial" panose="020B0604020202020204" pitchFamily="34" charset="0"/>
+              <a:cs typeface="Arial" panose="020B0604020202020204" pitchFamily="34" charset="0"/>
+            </a:endParaRPr>
+          </a:p>
+          <a:p>
+            <a:endParaRPr lang="en-US" dirty="0">
+              <a:latin typeface="Arial" panose="020B0604020202020204" pitchFamily="34" charset="0"/>
+              <a:cs typeface="Arial" panose="020B0604020202020204" pitchFamily="34" charset="0"/>
+            </a:endParaRPr>
+          </a:p>
+          <a:p>
+            <a:endParaRPr lang="en-US" dirty="0" smtClean="0">
+              <a:latin typeface="Arial" panose="020B0604020202020204" pitchFamily="34" charset="0"/>
+              <a:cs typeface="Arial" panose="020B0604020202020204" pitchFamily="34" charset="0"/>
+            </a:endParaRPr>
+          </a:p>
+          <a:p>
+            <a:endParaRPr lang="en-US" dirty="0">
+              <a:latin typeface="Arial" panose="020B0604020202020204" pitchFamily="34" charset="0"/>
+              <a:cs typeface="Arial" panose="020B0604020202020204" pitchFamily="34" charset="0"/>
+            </a:endParaRPr>
+          </a:p>
+          <a:p>
+            <a:r>
+              <a:rPr lang="en-US" dirty="0" smtClean="0">
+                <a:latin typeface="Arial" panose="020B0604020202020204" pitchFamily="34" charset="0"/>
+                <a:cs typeface="Arial" panose="020B0604020202020204" pitchFamily="34" charset="0"/>
+              </a:rPr>
+              <a:t>UserRowMapper ở đây có tác dụng gì?</a:t>
+            </a:r>
+          </a:p>
+          <a:p>
+            <a:r>
+              <a:rPr lang="en-US" dirty="0" smtClean="0">
+                <a:cs typeface="Arial" panose="020B0604020202020204" pitchFamily="34" charset="0"/>
+              </a:rPr>
+              <a:t>Dùng</a:t>
+            </a:r>
+            <a:r>
+              <a:rPr lang="vi-VN" dirty="0" smtClean="0">
+                <a:cs typeface="Arial" panose="020B0604020202020204" pitchFamily="34" charset="0"/>
+              </a:rPr>
+              <a:t> </a:t>
+            </a:r>
+            <a:r>
+              <a:rPr lang="vi-VN" dirty="0">
+                <a:cs typeface="Arial" panose="020B0604020202020204" pitchFamily="34" charset="0"/>
+              </a:rPr>
+              <a:t>để ánh xạ một hàng dữ liệu từ kết quả của một truy vấn SQL vào một đối tượng Java. </a:t>
+            </a:r>
+            <a:endParaRPr lang="en-US" dirty="0" smtClean="0">
+              <a:cs typeface="Arial" panose="020B0604020202020204" pitchFamily="34" charset="0"/>
+            </a:endParaRPr>
+          </a:p>
+          <a:p>
+            <a:r>
+              <a:rPr lang="vi-VN" dirty="0" smtClean="0">
+                <a:cs typeface="Arial" panose="020B0604020202020204" pitchFamily="34" charset="0"/>
+              </a:rPr>
+              <a:t>Khi </a:t>
+            </a:r>
+            <a:r>
+              <a:rPr lang="vi-VN" dirty="0">
+                <a:cs typeface="Arial" panose="020B0604020202020204" pitchFamily="34" charset="0"/>
+              </a:rPr>
+              <a:t>bạn sử dụng RowMapper với JdbcTemplate, bạn có thể định nghĩa cách từng hàng dữ liệu từ ResultSet được chuyển thành đối tượng mà bạn mong muốn.</a:t>
+            </a:r>
+            <a:endParaRPr lang="en-US" dirty="0" smtClean="0">
+              <a:latin typeface="Arial" panose="020B0604020202020204" pitchFamily="34" charset="0"/>
+              <a:cs typeface="Arial" panose="020B0604020202020204" pitchFamily="34" charset="0"/>
+            </a:endParaRPr>
+          </a:p>
+        </p:txBody>
+      </p:sp>
+      <p:pic>
+        <p:nvPicPr>
+          <p:cNvPr id="6" name="Picture 5"/>
+          <p:cNvPicPr>
+            <a:picLocks noChangeAspect="1"/>
+          </p:cNvPicPr>
+          <p:nvPr/>
+        </p:nvPicPr>
+        <p:blipFill>
+          <a:blip r:embed="rId2"/>
+          <a:stretch>
+            <a:fillRect/>
+          </a:stretch>
+        </p:blipFill>
+        <p:spPr>
+          <a:xfrm>
+            <a:off x="677334" y="2160589"/>
+            <a:ext cx="9220200" cy="1524000"/>
+          </a:xfrm>
+          <a:prstGeom prst="rect">
+            <a:avLst/>
+          </a:prstGeom>
+        </p:spPr>
+      </p:pic>
+    </p:spTree>
+    <p:extLst>
+      <p:ext uri="{BB962C8B-B14F-4D97-AF65-F5344CB8AC3E}">
+        <p14:creationId xmlns:p14="http://schemas.microsoft.com/office/powerpoint/2010/main" val="2052356297"/>
+      </p:ext>
+    </p:extLst>
+  </p:cSld>
+  <p:clrMapOvr>
+    <a:masterClrMapping/>
+  </p:clrMapOvr>
+</p:sld>
+</file>
+
+<file path=ppt/slides/slide18.xml><?xml version="1.0" encoding="utf-8"?>
+<p:sld xmlns:a="http://schemas.openxmlformats.org/drawingml/2006/main" xmlns:r="http://schemas.openxmlformats.org/officeDocument/2006/relationships" xmlns:p="http://schemas.openxmlformats.org/presentationml/2006/main">
+  <p:cSld>
+    <p:spTree>
+      <p:nvGrpSpPr>
+        <p:cNvPr id="1" name=""/>
+        <p:cNvGrpSpPr/>
+        <p:nvPr/>
+      </p:nvGrpSpPr>
+      <p:grpSpPr>
+        <a:xfrm>
+          <a:off x="0" y="0"/>
+          <a:ext cx="0" cy="0"/>
+          <a:chOff x="0" y="0"/>
+          <a:chExt cx="0" cy="0"/>
+        </a:xfrm>
+      </p:grpSpPr>
+      <p:sp>
+        <p:nvSpPr>
+          <p:cNvPr id="2" name="Title 1"/>
+          <p:cNvSpPr>
+            <a:spLocks noGrp="1"/>
+          </p:cNvSpPr>
+          <p:nvPr>
+            <p:ph type="title"/>
+          </p:nvPr>
+        </p:nvSpPr>
+        <p:spPr/>
+        <p:txBody>
+          <a:bodyPr/>
+          <a:lstStyle/>
+          <a:p>
+            <a:r>
+              <a:rPr lang="en-US" dirty="0">
+                <a:latin typeface="Arial" panose="020B0604020202020204" pitchFamily="34" charset="0"/>
+                <a:cs typeface="Arial" panose="020B0604020202020204" pitchFamily="34" charset="0"/>
+              </a:rPr>
+              <a:t>queryForObject</a:t>
+            </a:r>
+            <a:endParaRPr lang="en-US" dirty="0">
+              <a:latin typeface="Arial" panose="020B0604020202020204" pitchFamily="34" charset="0"/>
+              <a:cs typeface="Arial" panose="020B0604020202020204" pitchFamily="34" charset="0"/>
+            </a:endParaRPr>
+          </a:p>
+        </p:txBody>
+      </p:sp>
+      <p:sp>
+        <p:nvSpPr>
+          <p:cNvPr id="3" name="Content Placeholder 2"/>
+          <p:cNvSpPr>
+            <a:spLocks noGrp="1"/>
+          </p:cNvSpPr>
+          <p:nvPr>
+            <p:ph idx="1"/>
+          </p:nvPr>
+        </p:nvSpPr>
+        <p:spPr/>
+        <p:txBody>
+          <a:bodyPr/>
+          <a:lstStyle/>
+          <a:p>
+            <a:r>
+              <a:rPr lang="en-US" dirty="0" smtClean="0">
+                <a:latin typeface="Arial" panose="020B0604020202020204" pitchFamily="34" charset="0"/>
+                <a:cs typeface="Arial" panose="020B0604020202020204" pitchFamily="34" charset="0"/>
+              </a:rPr>
+              <a:t>Ví dụ get thông tin user theo name:</a:t>
+            </a:r>
+          </a:p>
+          <a:p>
+            <a:endParaRPr lang="en-US" dirty="0">
+              <a:latin typeface="Arial" panose="020B0604020202020204" pitchFamily="34" charset="0"/>
+              <a:cs typeface="Arial" panose="020B0604020202020204" pitchFamily="34" charset="0"/>
+            </a:endParaRPr>
+          </a:p>
+          <a:p>
+            <a:endParaRPr lang="en-US" dirty="0" smtClean="0">
+              <a:latin typeface="Arial" panose="020B0604020202020204" pitchFamily="34" charset="0"/>
+              <a:cs typeface="Arial" panose="020B0604020202020204" pitchFamily="34" charset="0"/>
+            </a:endParaRPr>
+          </a:p>
+          <a:p>
+            <a:endParaRPr lang="en-US" dirty="0">
+              <a:latin typeface="Arial" panose="020B0604020202020204" pitchFamily="34" charset="0"/>
+              <a:cs typeface="Arial" panose="020B0604020202020204" pitchFamily="34" charset="0"/>
+            </a:endParaRPr>
+          </a:p>
+          <a:p>
+            <a:endParaRPr lang="en-US" dirty="0" smtClean="0">
+              <a:latin typeface="Arial" panose="020B0604020202020204" pitchFamily="34" charset="0"/>
+              <a:cs typeface="Arial" panose="020B0604020202020204" pitchFamily="34" charset="0"/>
+            </a:endParaRPr>
+          </a:p>
+          <a:p>
+            <a:r>
+              <a:rPr lang="en-US" dirty="0" smtClean="0">
+                <a:latin typeface="Arial" panose="020B0604020202020204" pitchFamily="34" charset="0"/>
+                <a:cs typeface="Arial" panose="020B0604020202020204" pitchFamily="34" charset="0"/>
+              </a:rPr>
+              <a:t>Thử trường hợp 0 kết quả, 1 kết quả và nhiều kết quả trả về</a:t>
+            </a:r>
+          </a:p>
+          <a:p>
+            <a:pPr lvl="1"/>
+            <a:endParaRPr lang="en-US" dirty="0">
+              <a:latin typeface="Arial" panose="020B0604020202020204" pitchFamily="34" charset="0"/>
+              <a:cs typeface="Arial" panose="020B0604020202020204" pitchFamily="34" charset="0"/>
+            </a:endParaRPr>
+          </a:p>
+        </p:txBody>
+      </p:sp>
+      <p:pic>
+        <p:nvPicPr>
+          <p:cNvPr id="4" name="Picture 3"/>
+          <p:cNvPicPr>
+            <a:picLocks noChangeAspect="1"/>
+          </p:cNvPicPr>
+          <p:nvPr/>
+        </p:nvPicPr>
+        <p:blipFill>
+          <a:blip r:embed="rId2"/>
+          <a:stretch>
+            <a:fillRect/>
+          </a:stretch>
+        </p:blipFill>
+        <p:spPr>
+          <a:xfrm>
+            <a:off x="677334" y="2709862"/>
+            <a:ext cx="6943725" cy="1095375"/>
+          </a:xfrm>
+          <a:prstGeom prst="rect">
+            <a:avLst/>
+          </a:prstGeom>
+        </p:spPr>
+      </p:pic>
+    </p:spTree>
+    <p:extLst>
+      <p:ext uri="{BB962C8B-B14F-4D97-AF65-F5344CB8AC3E}">
+        <p14:creationId xmlns:p14="http://schemas.microsoft.com/office/powerpoint/2010/main" val="213777932"/>
+      </p:ext>
+    </p:extLst>
+  </p:cSld>
+  <p:clrMapOvr>
+    <a:masterClrMapping/>
+  </p:clrMapOvr>
+</p:sld>
+</file>
+
+<file path=ppt/slides/slide19.xml><?xml version="1.0" encoding="utf-8"?>
+<p:sld xmlns:a="http://schemas.openxmlformats.org/drawingml/2006/main" xmlns:r="http://schemas.openxmlformats.org/officeDocument/2006/relationships" xmlns:p="http://schemas.openxmlformats.org/presentationml/2006/main">
+  <p:cSld>
+    <p:spTree>
+      <p:nvGrpSpPr>
+        <p:cNvPr id="1" name=""/>
+        <p:cNvGrpSpPr/>
+        <p:nvPr/>
+      </p:nvGrpSpPr>
+      <p:grpSpPr>
+        <a:xfrm>
+          <a:off x="0" y="0"/>
+          <a:ext cx="0" cy="0"/>
+          <a:chOff x="0" y="0"/>
+          <a:chExt cx="0" cy="0"/>
+        </a:xfrm>
+      </p:grpSpPr>
+      <p:sp>
+        <p:nvSpPr>
+          <p:cNvPr id="2" name="Title 1"/>
+          <p:cNvSpPr>
+            <a:spLocks noGrp="1"/>
+          </p:cNvSpPr>
+          <p:nvPr>
+            <p:ph type="title"/>
+          </p:nvPr>
+        </p:nvSpPr>
+        <p:spPr/>
+        <p:txBody>
+          <a:bodyPr/>
+          <a:lstStyle/>
+          <a:p>
+            <a:r>
+              <a:rPr lang="en-US" dirty="0">
+                <a:latin typeface="Arial" panose="020B0604020202020204" pitchFamily="34" charset="0"/>
+                <a:cs typeface="Arial" panose="020B0604020202020204" pitchFamily="34" charset="0"/>
+              </a:rPr>
+              <a:t>queryForList</a:t>
+            </a:r>
+            <a:endParaRPr lang="en-US" dirty="0">
+              <a:latin typeface="Arial" panose="020B0604020202020204" pitchFamily="34" charset="0"/>
+              <a:cs typeface="Arial" panose="020B0604020202020204" pitchFamily="34" charset="0"/>
+            </a:endParaRPr>
+          </a:p>
+        </p:txBody>
+      </p:sp>
+      <p:sp>
+        <p:nvSpPr>
+          <p:cNvPr id="3" name="Content Placeholder 2"/>
+          <p:cNvSpPr>
+            <a:spLocks noGrp="1"/>
+          </p:cNvSpPr>
+          <p:nvPr>
+            <p:ph idx="1"/>
+          </p:nvPr>
+        </p:nvSpPr>
+        <p:spPr/>
+        <p:txBody>
+          <a:bodyPr/>
+          <a:lstStyle/>
+          <a:p>
+            <a:r>
+              <a:rPr lang="vi-VN" dirty="0" smtClean="0">
+                <a:cs typeface="Arial" panose="020B0604020202020204" pitchFamily="34" charset="0"/>
+              </a:rPr>
+              <a:t>Truy </a:t>
+            </a:r>
+            <a:r>
+              <a:rPr lang="vi-VN" dirty="0">
+                <a:cs typeface="Arial" panose="020B0604020202020204" pitchFamily="34" charset="0"/>
+              </a:rPr>
+              <a:t>vấn và trả về danh sách các giá trị từ một cột của bảng</a:t>
+            </a:r>
+            <a:r>
+              <a:rPr lang="vi-VN" dirty="0" smtClean="0">
+                <a:cs typeface="Arial" panose="020B0604020202020204" pitchFamily="34" charset="0"/>
+              </a:rPr>
+              <a:t>.</a:t>
+            </a:r>
+            <a:endParaRPr lang="en-US" dirty="0" smtClean="0">
+              <a:cs typeface="Arial" panose="020B0604020202020204" pitchFamily="34" charset="0"/>
+            </a:endParaRPr>
+          </a:p>
+          <a:p>
+            <a:r>
+              <a:rPr lang="en-US" dirty="0">
+                <a:latin typeface="Arial" panose="020B0604020202020204" pitchFamily="34" charset="0"/>
+                <a:cs typeface="Arial" panose="020B0604020202020204" pitchFamily="34" charset="0"/>
+              </a:rPr>
+              <a:t>Ví dụ get </a:t>
+            </a:r>
+            <a:r>
+              <a:rPr lang="en-US" dirty="0" smtClean="0">
+                <a:latin typeface="Arial" panose="020B0604020202020204" pitchFamily="34" charset="0"/>
+                <a:cs typeface="Arial" panose="020B0604020202020204" pitchFamily="34" charset="0"/>
+              </a:rPr>
+              <a:t>danh sách email:</a:t>
+            </a:r>
+            <a:endParaRPr lang="en-US" dirty="0">
+              <a:latin typeface="Arial" panose="020B0604020202020204" pitchFamily="34" charset="0"/>
+              <a:cs typeface="Arial" panose="020B0604020202020204" pitchFamily="34" charset="0"/>
+            </a:endParaRPr>
+          </a:p>
+          <a:p>
+            <a:endParaRPr lang="en-US" dirty="0">
+              <a:latin typeface="Arial" panose="020B0604020202020204" pitchFamily="34" charset="0"/>
+              <a:cs typeface="Arial" panose="020B0604020202020204" pitchFamily="34" charset="0"/>
+            </a:endParaRPr>
+          </a:p>
+        </p:txBody>
+      </p:sp>
+      <p:pic>
+        <p:nvPicPr>
+          <p:cNvPr id="7" name="Picture 6"/>
+          <p:cNvPicPr>
+            <a:picLocks noChangeAspect="1"/>
+          </p:cNvPicPr>
+          <p:nvPr/>
+        </p:nvPicPr>
+        <p:blipFill>
+          <a:blip r:embed="rId2"/>
+          <a:stretch>
+            <a:fillRect/>
+          </a:stretch>
+        </p:blipFill>
+        <p:spPr>
+          <a:xfrm>
+            <a:off x="677334" y="3154362"/>
+            <a:ext cx="4448175" cy="1057275"/>
+          </a:xfrm>
+          <a:prstGeom prst="rect">
+            <a:avLst/>
+          </a:prstGeom>
+        </p:spPr>
+      </p:pic>
+    </p:spTree>
+    <p:extLst>
+      <p:ext uri="{BB962C8B-B14F-4D97-AF65-F5344CB8AC3E}">
+        <p14:creationId xmlns:p14="http://schemas.microsoft.com/office/powerpoint/2010/main" val="1031720085"/>
       </p:ext>
     </p:extLst>
   </p:cSld>
@@ -6580,6 +7570,1299 @@
 </p:sld>
 </file>
 
+<file path=ppt/slides/slide20.xml><?xml version="1.0" encoding="utf-8"?>
+<p:sld xmlns:a="http://schemas.openxmlformats.org/drawingml/2006/main" xmlns:r="http://schemas.openxmlformats.org/officeDocument/2006/relationships" xmlns:p="http://schemas.openxmlformats.org/presentationml/2006/main">
+  <p:cSld>
+    <p:spTree>
+      <p:nvGrpSpPr>
+        <p:cNvPr id="1" name=""/>
+        <p:cNvGrpSpPr/>
+        <p:nvPr/>
+      </p:nvGrpSpPr>
+      <p:grpSpPr>
+        <a:xfrm>
+          <a:off x="0" y="0"/>
+          <a:ext cx="0" cy="0"/>
+          <a:chOff x="0" y="0"/>
+          <a:chExt cx="0" cy="0"/>
+        </a:xfrm>
+      </p:grpSpPr>
+      <p:sp>
+        <p:nvSpPr>
+          <p:cNvPr id="2" name="Title 1"/>
+          <p:cNvSpPr>
+            <a:spLocks noGrp="1"/>
+          </p:cNvSpPr>
+          <p:nvPr>
+            <p:ph type="title"/>
+          </p:nvPr>
+        </p:nvSpPr>
+        <p:spPr/>
+        <p:txBody>
+          <a:bodyPr/>
+          <a:lstStyle/>
+          <a:p>
+            <a:r>
+              <a:rPr lang="en-US" dirty="0">
+                <a:latin typeface="Arial" panose="020B0604020202020204" pitchFamily="34" charset="0"/>
+                <a:cs typeface="Arial" panose="020B0604020202020204" pitchFamily="34" charset="0"/>
+              </a:rPr>
+              <a:t>queryForList</a:t>
+            </a:r>
+            <a:endParaRPr lang="en-US" dirty="0">
+              <a:latin typeface="Arial" panose="020B0604020202020204" pitchFamily="34" charset="0"/>
+              <a:cs typeface="Arial" panose="020B0604020202020204" pitchFamily="34" charset="0"/>
+            </a:endParaRPr>
+          </a:p>
+        </p:txBody>
+      </p:sp>
+      <p:sp>
+        <p:nvSpPr>
+          <p:cNvPr id="3" name="Content Placeholder 2"/>
+          <p:cNvSpPr>
+            <a:spLocks noGrp="1"/>
+          </p:cNvSpPr>
+          <p:nvPr>
+            <p:ph idx="1"/>
+          </p:nvPr>
+        </p:nvSpPr>
+        <p:spPr/>
+        <p:txBody>
+          <a:bodyPr/>
+          <a:lstStyle/>
+          <a:p>
+            <a:r>
+              <a:rPr lang="en-US" dirty="0" smtClean="0">
+                <a:latin typeface="Arial" panose="020B0604020202020204" pitchFamily="34" charset="0"/>
+                <a:cs typeface="Arial" panose="020B0604020202020204" pitchFamily="34" charset="0"/>
+              </a:rPr>
+              <a:t>Ví </a:t>
+            </a:r>
+            <a:r>
+              <a:rPr lang="en-US" dirty="0">
+                <a:latin typeface="Arial" panose="020B0604020202020204" pitchFamily="34" charset="0"/>
+                <a:cs typeface="Arial" panose="020B0604020202020204" pitchFamily="34" charset="0"/>
+              </a:rPr>
+              <a:t>dụ get </a:t>
+            </a:r>
+            <a:r>
+              <a:rPr lang="en-US" dirty="0" smtClean="0">
+                <a:latin typeface="Arial" panose="020B0604020202020204" pitchFamily="34" charset="0"/>
+                <a:cs typeface="Arial" panose="020B0604020202020204" pitchFamily="34" charset="0"/>
+              </a:rPr>
+              <a:t>danh sách user:</a:t>
+            </a:r>
+            <a:endParaRPr lang="en-US" dirty="0">
+              <a:latin typeface="Arial" panose="020B0604020202020204" pitchFamily="34" charset="0"/>
+              <a:cs typeface="Arial" panose="020B0604020202020204" pitchFamily="34" charset="0"/>
+            </a:endParaRPr>
+          </a:p>
+          <a:p>
+            <a:endParaRPr lang="en-US" dirty="0">
+              <a:latin typeface="Arial" panose="020B0604020202020204" pitchFamily="34" charset="0"/>
+              <a:cs typeface="Arial" panose="020B0604020202020204" pitchFamily="34" charset="0"/>
+            </a:endParaRPr>
+          </a:p>
+        </p:txBody>
+      </p:sp>
+      <p:pic>
+        <p:nvPicPr>
+          <p:cNvPr id="5" name="Picture 4"/>
+          <p:cNvPicPr>
+            <a:picLocks noChangeAspect="1"/>
+          </p:cNvPicPr>
+          <p:nvPr/>
+        </p:nvPicPr>
+        <p:blipFill>
+          <a:blip r:embed="rId2"/>
+          <a:stretch>
+            <a:fillRect/>
+          </a:stretch>
+        </p:blipFill>
+        <p:spPr>
+          <a:xfrm>
+            <a:off x="677334" y="2562225"/>
+            <a:ext cx="8305800" cy="2533650"/>
+          </a:xfrm>
+          <a:prstGeom prst="rect">
+            <a:avLst/>
+          </a:prstGeom>
+        </p:spPr>
+      </p:pic>
+    </p:spTree>
+    <p:extLst>
+      <p:ext uri="{BB962C8B-B14F-4D97-AF65-F5344CB8AC3E}">
+        <p14:creationId xmlns:p14="http://schemas.microsoft.com/office/powerpoint/2010/main" val="4223601338"/>
+      </p:ext>
+    </p:extLst>
+  </p:cSld>
+  <p:clrMapOvr>
+    <a:masterClrMapping/>
+  </p:clrMapOvr>
+</p:sld>
+</file>
+
+<file path=ppt/slides/slide21.xml><?xml version="1.0" encoding="utf-8"?>
+<p:sld xmlns:a="http://schemas.openxmlformats.org/drawingml/2006/main" xmlns:r="http://schemas.openxmlformats.org/officeDocument/2006/relationships" xmlns:p="http://schemas.openxmlformats.org/presentationml/2006/main">
+  <p:cSld>
+    <p:spTree>
+      <p:nvGrpSpPr>
+        <p:cNvPr id="1" name=""/>
+        <p:cNvGrpSpPr/>
+        <p:nvPr/>
+      </p:nvGrpSpPr>
+      <p:grpSpPr>
+        <a:xfrm>
+          <a:off x="0" y="0"/>
+          <a:ext cx="0" cy="0"/>
+          <a:chOff x="0" y="0"/>
+          <a:chExt cx="0" cy="0"/>
+        </a:xfrm>
+      </p:grpSpPr>
+      <p:sp>
+        <p:nvSpPr>
+          <p:cNvPr id="2" name="Title 1"/>
+          <p:cNvSpPr>
+            <a:spLocks noGrp="1"/>
+          </p:cNvSpPr>
+          <p:nvPr>
+            <p:ph type="title"/>
+          </p:nvPr>
+        </p:nvSpPr>
+        <p:spPr/>
+        <p:txBody>
+          <a:bodyPr/>
+          <a:lstStyle/>
+          <a:p>
+            <a:r>
+              <a:rPr lang="en-US" dirty="0">
+                <a:latin typeface="Arial" panose="020B0604020202020204" pitchFamily="34" charset="0"/>
+                <a:cs typeface="Arial" panose="020B0604020202020204" pitchFamily="34" charset="0"/>
+              </a:rPr>
+              <a:t>queryForList</a:t>
+            </a:r>
+            <a:endParaRPr lang="en-US" dirty="0">
+              <a:latin typeface="Arial" panose="020B0604020202020204" pitchFamily="34" charset="0"/>
+              <a:cs typeface="Arial" panose="020B0604020202020204" pitchFamily="34" charset="0"/>
+            </a:endParaRPr>
+          </a:p>
+        </p:txBody>
+      </p:sp>
+      <p:sp>
+        <p:nvSpPr>
+          <p:cNvPr id="3" name="Content Placeholder 2"/>
+          <p:cNvSpPr>
+            <a:spLocks noGrp="1"/>
+          </p:cNvSpPr>
+          <p:nvPr>
+            <p:ph idx="1"/>
+          </p:nvPr>
+        </p:nvSpPr>
+        <p:spPr/>
+        <p:txBody>
+          <a:bodyPr/>
+          <a:lstStyle/>
+          <a:p>
+            <a:r>
+              <a:rPr lang="en-US" dirty="0" smtClean="0">
+                <a:latin typeface="Arial" panose="020B0604020202020204" pitchFamily="34" charset="0"/>
+                <a:cs typeface="Arial" panose="020B0604020202020204" pitchFamily="34" charset="0"/>
+              </a:rPr>
+              <a:t>Ví </a:t>
+            </a:r>
+            <a:r>
+              <a:rPr lang="en-US" dirty="0">
+                <a:latin typeface="Arial" panose="020B0604020202020204" pitchFamily="34" charset="0"/>
+                <a:cs typeface="Arial" panose="020B0604020202020204" pitchFamily="34" charset="0"/>
+              </a:rPr>
+              <a:t>dụ get </a:t>
+            </a:r>
+            <a:r>
+              <a:rPr lang="en-US" dirty="0" smtClean="0">
+                <a:latin typeface="Arial" panose="020B0604020202020204" pitchFamily="34" charset="0"/>
+                <a:cs typeface="Arial" panose="020B0604020202020204" pitchFamily="34" charset="0"/>
+              </a:rPr>
+              <a:t>danh sách user theo name:</a:t>
+            </a:r>
+            <a:endParaRPr lang="en-US" dirty="0">
+              <a:latin typeface="Arial" panose="020B0604020202020204" pitchFamily="34" charset="0"/>
+              <a:cs typeface="Arial" panose="020B0604020202020204" pitchFamily="34" charset="0"/>
+            </a:endParaRPr>
+          </a:p>
+          <a:p>
+            <a:endParaRPr lang="en-US" dirty="0">
+              <a:latin typeface="Arial" panose="020B0604020202020204" pitchFamily="34" charset="0"/>
+              <a:cs typeface="Arial" panose="020B0604020202020204" pitchFamily="34" charset="0"/>
+            </a:endParaRPr>
+          </a:p>
+        </p:txBody>
+      </p:sp>
+      <p:pic>
+        <p:nvPicPr>
+          <p:cNvPr id="4" name="Picture 3"/>
+          <p:cNvPicPr>
+            <a:picLocks noChangeAspect="1"/>
+          </p:cNvPicPr>
+          <p:nvPr/>
+        </p:nvPicPr>
+        <p:blipFill>
+          <a:blip r:embed="rId2"/>
+          <a:stretch>
+            <a:fillRect/>
+          </a:stretch>
+        </p:blipFill>
+        <p:spPr>
+          <a:xfrm>
+            <a:off x="677334" y="2568575"/>
+            <a:ext cx="8315325" cy="2533650"/>
+          </a:xfrm>
+          <a:prstGeom prst="rect">
+            <a:avLst/>
+          </a:prstGeom>
+        </p:spPr>
+      </p:pic>
+    </p:spTree>
+    <p:extLst>
+      <p:ext uri="{BB962C8B-B14F-4D97-AF65-F5344CB8AC3E}">
+        <p14:creationId xmlns:p14="http://schemas.microsoft.com/office/powerpoint/2010/main" val="2136847212"/>
+      </p:ext>
+    </p:extLst>
+  </p:cSld>
+  <p:clrMapOvr>
+    <a:masterClrMapping/>
+  </p:clrMapOvr>
+</p:sld>
+</file>
+
+<file path=ppt/slides/slide22.xml><?xml version="1.0" encoding="utf-8"?>
+<p:sld xmlns:a="http://schemas.openxmlformats.org/drawingml/2006/main" xmlns:r="http://schemas.openxmlformats.org/officeDocument/2006/relationships" xmlns:p="http://schemas.openxmlformats.org/presentationml/2006/main">
+  <p:cSld>
+    <p:spTree>
+      <p:nvGrpSpPr>
+        <p:cNvPr id="1" name=""/>
+        <p:cNvGrpSpPr/>
+        <p:nvPr/>
+      </p:nvGrpSpPr>
+      <p:grpSpPr>
+        <a:xfrm>
+          <a:off x="0" y="0"/>
+          <a:ext cx="0" cy="0"/>
+          <a:chOff x="0" y="0"/>
+          <a:chExt cx="0" cy="0"/>
+        </a:xfrm>
+      </p:grpSpPr>
+      <p:sp>
+        <p:nvSpPr>
+          <p:cNvPr id="2" name="Title 1"/>
+          <p:cNvSpPr>
+            <a:spLocks noGrp="1"/>
+          </p:cNvSpPr>
+          <p:nvPr>
+            <p:ph type="title"/>
+          </p:nvPr>
+        </p:nvSpPr>
+        <p:spPr/>
+        <p:txBody>
+          <a:bodyPr/>
+          <a:lstStyle/>
+          <a:p>
+            <a:r>
+              <a:rPr lang="en-US" dirty="0">
+                <a:latin typeface="Arial" panose="020B0604020202020204" pitchFamily="34" charset="0"/>
+                <a:cs typeface="Arial" panose="020B0604020202020204" pitchFamily="34" charset="0"/>
+              </a:rPr>
+              <a:t>query</a:t>
+            </a:r>
+            <a:endParaRPr lang="en-US" dirty="0">
+              <a:latin typeface="Arial" panose="020B0604020202020204" pitchFamily="34" charset="0"/>
+              <a:cs typeface="Arial" panose="020B0604020202020204" pitchFamily="34" charset="0"/>
+            </a:endParaRPr>
+          </a:p>
+        </p:txBody>
+      </p:sp>
+      <p:sp>
+        <p:nvSpPr>
+          <p:cNvPr id="3" name="Content Placeholder 2"/>
+          <p:cNvSpPr>
+            <a:spLocks noGrp="1"/>
+          </p:cNvSpPr>
+          <p:nvPr>
+            <p:ph idx="1"/>
+          </p:nvPr>
+        </p:nvSpPr>
+        <p:spPr/>
+        <p:txBody>
+          <a:bodyPr/>
+          <a:lstStyle/>
+          <a:p>
+            <a:r>
+              <a:rPr lang="en-US" dirty="0">
+                <a:latin typeface="Arial" panose="020B0604020202020204" pitchFamily="34" charset="0"/>
+                <a:cs typeface="Arial" panose="020B0604020202020204" pitchFamily="34" charset="0"/>
+              </a:rPr>
+              <a:t>Query có thể thay thế queryForObject, </a:t>
+            </a:r>
+            <a:r>
+              <a:rPr lang="en-US" dirty="0" smtClean="0">
+                <a:latin typeface="Arial" panose="020B0604020202020204" pitchFamily="34" charset="0"/>
+                <a:cs typeface="Arial" panose="020B0604020202020204" pitchFamily="34" charset="0"/>
+              </a:rPr>
+              <a:t>queryForList</a:t>
+            </a:r>
+          </a:p>
+          <a:p>
+            <a:r>
+              <a:rPr lang="en-US" dirty="0">
+                <a:latin typeface="Arial" panose="020B0604020202020204" pitchFamily="34" charset="0"/>
+                <a:cs typeface="Arial" panose="020B0604020202020204" pitchFamily="34" charset="0"/>
+              </a:rPr>
+              <a:t>V</a:t>
+            </a:r>
+            <a:r>
+              <a:rPr lang="en-US" dirty="0" smtClean="0">
+                <a:latin typeface="Arial" panose="020B0604020202020204" pitchFamily="34" charset="0"/>
+                <a:cs typeface="Arial" panose="020B0604020202020204" pitchFamily="34" charset="0"/>
+              </a:rPr>
+              <a:t>ề </a:t>
+            </a:r>
+            <a:r>
+              <a:rPr lang="en-US" dirty="0">
+                <a:latin typeface="Arial" panose="020B0604020202020204" pitchFamily="34" charset="0"/>
+                <a:cs typeface="Arial" panose="020B0604020202020204" pitchFamily="34" charset="0"/>
+              </a:rPr>
+              <a:t>cơ bản trong queryForObject và </a:t>
+            </a:r>
+            <a:r>
+              <a:rPr lang="en-US" dirty="0" smtClean="0">
+                <a:latin typeface="Arial" panose="020B0604020202020204" pitchFamily="34" charset="0"/>
+                <a:cs typeface="Arial" panose="020B0604020202020204" pitchFamily="34" charset="0"/>
+              </a:rPr>
+              <a:t>queryForList đều sử dụng query nhưng được xử lý thêm để code ngắn gọn hơn khi sử dụng query</a:t>
+            </a:r>
+          </a:p>
+          <a:p>
+            <a:endParaRPr lang="en-US" dirty="0">
+              <a:latin typeface="Arial" panose="020B0604020202020204" pitchFamily="34" charset="0"/>
+              <a:cs typeface="Arial" panose="020B0604020202020204" pitchFamily="34" charset="0"/>
+            </a:endParaRPr>
+          </a:p>
+          <a:p>
+            <a:r>
+              <a:rPr lang="en-US" dirty="0" smtClean="0">
+                <a:latin typeface="Arial" panose="020B0604020202020204" pitchFamily="34" charset="0"/>
+                <a:cs typeface="Arial" panose="020B0604020202020204" pitchFamily="34" charset="0"/>
+              </a:rPr>
+              <a:t>Query thường đi chung với RowMapper để t</a:t>
+            </a:r>
+            <a:r>
+              <a:rPr lang="vi-VN" dirty="0" smtClean="0">
+                <a:cs typeface="Arial" panose="020B0604020202020204" pitchFamily="34" charset="0"/>
+              </a:rPr>
+              <a:t>ruy </a:t>
+            </a:r>
+            <a:r>
+              <a:rPr lang="vi-VN" dirty="0">
+                <a:cs typeface="Arial" panose="020B0604020202020204" pitchFamily="34" charset="0"/>
+              </a:rPr>
+              <a:t>vấn nhiều hàng và ánh xạ từng hàng vào một đối tượng </a:t>
+            </a:r>
+            <a:r>
+              <a:rPr lang="vi-VN" dirty="0" smtClean="0">
+                <a:cs typeface="Arial" panose="020B0604020202020204" pitchFamily="34" charset="0"/>
+              </a:rPr>
+              <a:t>Jav</a:t>
+            </a:r>
+            <a:r>
+              <a:rPr lang="en-US" dirty="0" smtClean="0">
+                <a:cs typeface="Arial" panose="020B0604020202020204" pitchFamily="34" charset="0"/>
+              </a:rPr>
+              <a:t>a.</a:t>
+            </a:r>
+            <a:endParaRPr lang="en-US" dirty="0">
+              <a:latin typeface="Arial" panose="020B0604020202020204" pitchFamily="34" charset="0"/>
+              <a:cs typeface="Arial" panose="020B0604020202020204" pitchFamily="34" charset="0"/>
+            </a:endParaRPr>
+          </a:p>
+        </p:txBody>
+      </p:sp>
+    </p:spTree>
+    <p:extLst>
+      <p:ext uri="{BB962C8B-B14F-4D97-AF65-F5344CB8AC3E}">
+        <p14:creationId xmlns:p14="http://schemas.microsoft.com/office/powerpoint/2010/main" val="3885092599"/>
+      </p:ext>
+    </p:extLst>
+  </p:cSld>
+  <p:clrMapOvr>
+    <a:masterClrMapping/>
+  </p:clrMapOvr>
+</p:sld>
+</file>
+
+<file path=ppt/slides/slide23.xml><?xml version="1.0" encoding="utf-8"?>
+<p:sld xmlns:a="http://schemas.openxmlformats.org/drawingml/2006/main" xmlns:r="http://schemas.openxmlformats.org/officeDocument/2006/relationships" xmlns:p="http://schemas.openxmlformats.org/presentationml/2006/main">
+  <p:cSld>
+    <p:spTree>
+      <p:nvGrpSpPr>
+        <p:cNvPr id="1" name=""/>
+        <p:cNvGrpSpPr/>
+        <p:nvPr/>
+      </p:nvGrpSpPr>
+      <p:grpSpPr>
+        <a:xfrm>
+          <a:off x="0" y="0"/>
+          <a:ext cx="0" cy="0"/>
+          <a:chOff x="0" y="0"/>
+          <a:chExt cx="0" cy="0"/>
+        </a:xfrm>
+      </p:grpSpPr>
+      <p:sp>
+        <p:nvSpPr>
+          <p:cNvPr id="2" name="Title 1"/>
+          <p:cNvSpPr>
+            <a:spLocks noGrp="1"/>
+          </p:cNvSpPr>
+          <p:nvPr>
+            <p:ph type="title"/>
+          </p:nvPr>
+        </p:nvSpPr>
+        <p:spPr/>
+        <p:txBody>
+          <a:bodyPr/>
+          <a:lstStyle/>
+          <a:p>
+            <a:r>
+              <a:rPr lang="en-US" dirty="0">
+                <a:latin typeface="Arial" panose="020B0604020202020204" pitchFamily="34" charset="0"/>
+                <a:cs typeface="Arial" panose="020B0604020202020204" pitchFamily="34" charset="0"/>
+              </a:rPr>
+              <a:t>query</a:t>
+            </a:r>
+            <a:endParaRPr lang="en-US" dirty="0">
+              <a:latin typeface="Arial" panose="020B0604020202020204" pitchFamily="34" charset="0"/>
+              <a:cs typeface="Arial" panose="020B0604020202020204" pitchFamily="34" charset="0"/>
+            </a:endParaRPr>
+          </a:p>
+        </p:txBody>
+      </p:sp>
+      <p:sp>
+        <p:nvSpPr>
+          <p:cNvPr id="3" name="Content Placeholder 2"/>
+          <p:cNvSpPr>
+            <a:spLocks noGrp="1"/>
+          </p:cNvSpPr>
+          <p:nvPr>
+            <p:ph idx="1"/>
+          </p:nvPr>
+        </p:nvSpPr>
+        <p:spPr/>
+        <p:txBody>
+          <a:bodyPr/>
+          <a:lstStyle/>
+          <a:p>
+            <a:r>
+              <a:rPr lang="en-US" dirty="0" smtClean="0">
+                <a:latin typeface="Arial" panose="020B0604020202020204" pitchFamily="34" charset="0"/>
+                <a:cs typeface="Arial" panose="020B0604020202020204" pitchFamily="34" charset="0"/>
+              </a:rPr>
+              <a:t>Ví </a:t>
+            </a:r>
+            <a:r>
+              <a:rPr lang="en-US" dirty="0">
+                <a:latin typeface="Arial" panose="020B0604020202020204" pitchFamily="34" charset="0"/>
+                <a:cs typeface="Arial" panose="020B0604020202020204" pitchFamily="34" charset="0"/>
+              </a:rPr>
+              <a:t>dụ </a:t>
+            </a:r>
+            <a:r>
+              <a:rPr lang="en-US" dirty="0" smtClean="0">
+                <a:latin typeface="Arial" panose="020B0604020202020204" pitchFamily="34" charset="0"/>
+                <a:cs typeface="Arial" panose="020B0604020202020204" pitchFamily="34" charset="0"/>
+              </a:rPr>
+              <a:t>count user:</a:t>
+            </a:r>
+            <a:endParaRPr lang="en-US" dirty="0">
+              <a:latin typeface="Arial" panose="020B0604020202020204" pitchFamily="34" charset="0"/>
+              <a:cs typeface="Arial" panose="020B0604020202020204" pitchFamily="34" charset="0"/>
+            </a:endParaRPr>
+          </a:p>
+          <a:p>
+            <a:endParaRPr lang="en-US" dirty="0">
+              <a:latin typeface="Arial" panose="020B0604020202020204" pitchFamily="34" charset="0"/>
+              <a:cs typeface="Arial" panose="020B0604020202020204" pitchFamily="34" charset="0"/>
+            </a:endParaRPr>
+          </a:p>
+        </p:txBody>
+      </p:sp>
+      <p:pic>
+        <p:nvPicPr>
+          <p:cNvPr id="6" name="Picture 5"/>
+          <p:cNvPicPr>
+            <a:picLocks noChangeAspect="1"/>
+          </p:cNvPicPr>
+          <p:nvPr/>
+        </p:nvPicPr>
+        <p:blipFill>
+          <a:blip r:embed="rId2"/>
+          <a:stretch>
+            <a:fillRect/>
+          </a:stretch>
+        </p:blipFill>
+        <p:spPr>
+          <a:xfrm>
+            <a:off x="677334" y="2643779"/>
+            <a:ext cx="4648200" cy="1076325"/>
+          </a:xfrm>
+          <a:prstGeom prst="rect">
+            <a:avLst/>
+          </a:prstGeom>
+        </p:spPr>
+      </p:pic>
+      <p:pic>
+        <p:nvPicPr>
+          <p:cNvPr id="8" name="Picture 7"/>
+          <p:cNvPicPr>
+            <a:picLocks noChangeAspect="1"/>
+          </p:cNvPicPr>
+          <p:nvPr/>
+        </p:nvPicPr>
+        <p:blipFill>
+          <a:blip r:embed="rId3"/>
+          <a:stretch>
+            <a:fillRect/>
+          </a:stretch>
+        </p:blipFill>
+        <p:spPr>
+          <a:xfrm>
+            <a:off x="677334" y="3865562"/>
+            <a:ext cx="6038850" cy="2276475"/>
+          </a:xfrm>
+          <a:prstGeom prst="rect">
+            <a:avLst/>
+          </a:prstGeom>
+        </p:spPr>
+      </p:pic>
+    </p:spTree>
+    <p:extLst>
+      <p:ext uri="{BB962C8B-B14F-4D97-AF65-F5344CB8AC3E}">
+        <p14:creationId xmlns:p14="http://schemas.microsoft.com/office/powerpoint/2010/main" val="3617255919"/>
+      </p:ext>
+    </p:extLst>
+  </p:cSld>
+  <p:clrMapOvr>
+    <a:masterClrMapping/>
+  </p:clrMapOvr>
+</p:sld>
+</file>
+
+<file path=ppt/slides/slide24.xml><?xml version="1.0" encoding="utf-8"?>
+<p:sld xmlns:a="http://schemas.openxmlformats.org/drawingml/2006/main" xmlns:r="http://schemas.openxmlformats.org/officeDocument/2006/relationships" xmlns:p="http://schemas.openxmlformats.org/presentationml/2006/main">
+  <p:cSld>
+    <p:spTree>
+      <p:nvGrpSpPr>
+        <p:cNvPr id="1" name=""/>
+        <p:cNvGrpSpPr/>
+        <p:nvPr/>
+      </p:nvGrpSpPr>
+      <p:grpSpPr>
+        <a:xfrm>
+          <a:off x="0" y="0"/>
+          <a:ext cx="0" cy="0"/>
+          <a:chOff x="0" y="0"/>
+          <a:chExt cx="0" cy="0"/>
+        </a:xfrm>
+      </p:grpSpPr>
+      <p:sp>
+        <p:nvSpPr>
+          <p:cNvPr id="2" name="Title 1"/>
+          <p:cNvSpPr>
+            <a:spLocks noGrp="1"/>
+          </p:cNvSpPr>
+          <p:nvPr>
+            <p:ph type="title"/>
+          </p:nvPr>
+        </p:nvSpPr>
+        <p:spPr/>
+        <p:txBody>
+          <a:bodyPr/>
+          <a:lstStyle/>
+          <a:p>
+            <a:r>
+              <a:rPr lang="en-US" dirty="0">
+                <a:latin typeface="Arial" panose="020B0604020202020204" pitchFamily="34" charset="0"/>
+                <a:cs typeface="Arial" panose="020B0604020202020204" pitchFamily="34" charset="0"/>
+              </a:rPr>
+              <a:t>query</a:t>
+            </a:r>
+            <a:endParaRPr lang="en-US" dirty="0">
+              <a:latin typeface="Arial" panose="020B0604020202020204" pitchFamily="34" charset="0"/>
+              <a:cs typeface="Arial" panose="020B0604020202020204" pitchFamily="34" charset="0"/>
+            </a:endParaRPr>
+          </a:p>
+        </p:txBody>
+      </p:sp>
+      <p:sp>
+        <p:nvSpPr>
+          <p:cNvPr id="3" name="Content Placeholder 2"/>
+          <p:cNvSpPr>
+            <a:spLocks noGrp="1"/>
+          </p:cNvSpPr>
+          <p:nvPr>
+            <p:ph idx="1"/>
+          </p:nvPr>
+        </p:nvSpPr>
+        <p:spPr/>
+        <p:txBody>
+          <a:bodyPr/>
+          <a:lstStyle/>
+          <a:p>
+            <a:r>
+              <a:rPr lang="en-US" dirty="0" smtClean="0">
+                <a:latin typeface="Arial" panose="020B0604020202020204" pitchFamily="34" charset="0"/>
+                <a:cs typeface="Arial" panose="020B0604020202020204" pitchFamily="34" charset="0"/>
+              </a:rPr>
+              <a:t>Ví </a:t>
+            </a:r>
+            <a:r>
+              <a:rPr lang="en-US" dirty="0">
+                <a:latin typeface="Arial" panose="020B0604020202020204" pitchFamily="34" charset="0"/>
+                <a:cs typeface="Arial" panose="020B0604020202020204" pitchFamily="34" charset="0"/>
+              </a:rPr>
+              <a:t>dụ get </a:t>
+            </a:r>
+            <a:r>
+              <a:rPr lang="en-US" dirty="0" smtClean="0">
+                <a:latin typeface="Arial" panose="020B0604020202020204" pitchFamily="34" charset="0"/>
+                <a:cs typeface="Arial" panose="020B0604020202020204" pitchFamily="34" charset="0"/>
+              </a:rPr>
+              <a:t>danh sách email:</a:t>
+            </a:r>
+            <a:endParaRPr lang="en-US" dirty="0">
+              <a:latin typeface="Arial" panose="020B0604020202020204" pitchFamily="34" charset="0"/>
+              <a:cs typeface="Arial" panose="020B0604020202020204" pitchFamily="34" charset="0"/>
+            </a:endParaRPr>
+          </a:p>
+          <a:p>
+            <a:endParaRPr lang="en-US" dirty="0">
+              <a:latin typeface="Arial" panose="020B0604020202020204" pitchFamily="34" charset="0"/>
+              <a:cs typeface="Arial" panose="020B0604020202020204" pitchFamily="34" charset="0"/>
+            </a:endParaRPr>
+          </a:p>
+        </p:txBody>
+      </p:sp>
+      <p:pic>
+        <p:nvPicPr>
+          <p:cNvPr id="7" name="Picture 6"/>
+          <p:cNvPicPr>
+            <a:picLocks noChangeAspect="1"/>
+          </p:cNvPicPr>
+          <p:nvPr/>
+        </p:nvPicPr>
+        <p:blipFill>
+          <a:blip r:embed="rId2"/>
+          <a:stretch>
+            <a:fillRect/>
+          </a:stretch>
+        </p:blipFill>
+        <p:spPr>
+          <a:xfrm>
+            <a:off x="677334" y="2652712"/>
+            <a:ext cx="4448175" cy="1057275"/>
+          </a:xfrm>
+          <a:prstGeom prst="rect">
+            <a:avLst/>
+          </a:prstGeom>
+        </p:spPr>
+      </p:pic>
+      <p:pic>
+        <p:nvPicPr>
+          <p:cNvPr id="4" name="Picture 3"/>
+          <p:cNvPicPr>
+            <a:picLocks noChangeAspect="1"/>
+          </p:cNvPicPr>
+          <p:nvPr/>
+        </p:nvPicPr>
+        <p:blipFill>
+          <a:blip r:embed="rId3"/>
+          <a:stretch>
+            <a:fillRect/>
+          </a:stretch>
+        </p:blipFill>
+        <p:spPr>
+          <a:xfrm>
+            <a:off x="677334" y="3835199"/>
+            <a:ext cx="5972175" cy="2247900"/>
+          </a:xfrm>
+          <a:prstGeom prst="rect">
+            <a:avLst/>
+          </a:prstGeom>
+        </p:spPr>
+      </p:pic>
+    </p:spTree>
+    <p:extLst>
+      <p:ext uri="{BB962C8B-B14F-4D97-AF65-F5344CB8AC3E}">
+        <p14:creationId xmlns:p14="http://schemas.microsoft.com/office/powerpoint/2010/main" val="2968941599"/>
+      </p:ext>
+    </p:extLst>
+  </p:cSld>
+  <p:clrMapOvr>
+    <a:masterClrMapping/>
+  </p:clrMapOvr>
+</p:sld>
+</file>
+
+<file path=ppt/slides/slide25.xml><?xml version="1.0" encoding="utf-8"?>
+<p:sld xmlns:a="http://schemas.openxmlformats.org/drawingml/2006/main" xmlns:r="http://schemas.openxmlformats.org/officeDocument/2006/relationships" xmlns:p="http://schemas.openxmlformats.org/presentationml/2006/main">
+  <p:cSld>
+    <p:spTree>
+      <p:nvGrpSpPr>
+        <p:cNvPr id="1" name=""/>
+        <p:cNvGrpSpPr/>
+        <p:nvPr/>
+      </p:nvGrpSpPr>
+      <p:grpSpPr>
+        <a:xfrm>
+          <a:off x="0" y="0"/>
+          <a:ext cx="0" cy="0"/>
+          <a:chOff x="0" y="0"/>
+          <a:chExt cx="0" cy="0"/>
+        </a:xfrm>
+      </p:grpSpPr>
+      <p:sp>
+        <p:nvSpPr>
+          <p:cNvPr id="2" name="Title 1"/>
+          <p:cNvSpPr>
+            <a:spLocks noGrp="1"/>
+          </p:cNvSpPr>
+          <p:nvPr>
+            <p:ph type="title"/>
+          </p:nvPr>
+        </p:nvSpPr>
+        <p:spPr/>
+        <p:txBody>
+          <a:bodyPr/>
+          <a:lstStyle/>
+          <a:p>
+            <a:r>
+              <a:rPr lang="en-US" dirty="0">
+                <a:latin typeface="Arial" panose="020B0604020202020204" pitchFamily="34" charset="0"/>
+                <a:cs typeface="Arial" panose="020B0604020202020204" pitchFamily="34" charset="0"/>
+              </a:rPr>
+              <a:t>update</a:t>
+            </a:r>
+            <a:endParaRPr lang="en-US" dirty="0">
+              <a:latin typeface="Arial" panose="020B0604020202020204" pitchFamily="34" charset="0"/>
+              <a:cs typeface="Arial" panose="020B0604020202020204" pitchFamily="34" charset="0"/>
+            </a:endParaRPr>
+          </a:p>
+        </p:txBody>
+      </p:sp>
+      <p:sp>
+        <p:nvSpPr>
+          <p:cNvPr id="3" name="Content Placeholder 2"/>
+          <p:cNvSpPr>
+            <a:spLocks noGrp="1"/>
+          </p:cNvSpPr>
+          <p:nvPr>
+            <p:ph idx="1"/>
+          </p:nvPr>
+        </p:nvSpPr>
+        <p:spPr/>
+        <p:txBody>
+          <a:bodyPr/>
+          <a:lstStyle/>
+          <a:p>
+            <a:r>
+              <a:rPr lang="vi-VN" dirty="0">
+                <a:cs typeface="Arial" panose="020B0604020202020204" pitchFamily="34" charset="0"/>
+              </a:rPr>
+              <a:t>Thực hiện các câu lệnh cập nhật dữ liệu như INSERT, UPDATE, hoặc DELETE</a:t>
+            </a:r>
+            <a:r>
+              <a:rPr lang="vi-VN" dirty="0" smtClean="0">
+                <a:cs typeface="Arial" panose="020B0604020202020204" pitchFamily="34" charset="0"/>
+              </a:rPr>
+              <a:t>.</a:t>
+            </a:r>
+            <a:endParaRPr lang="en-US" dirty="0" smtClean="0">
+              <a:cs typeface="Arial" panose="020B0604020202020204" pitchFamily="34" charset="0"/>
+            </a:endParaRPr>
+          </a:p>
+          <a:p>
+            <a:r>
+              <a:rPr lang="en-US" dirty="0" smtClean="0">
+                <a:latin typeface="Arial" panose="020B0604020202020204" pitchFamily="34" charset="0"/>
+                <a:cs typeface="Arial" panose="020B0604020202020204" pitchFamily="34" charset="0"/>
+              </a:rPr>
+              <a:t>Ví dụ về add user:</a:t>
+            </a:r>
+            <a:endParaRPr lang="en-US" dirty="0">
+              <a:latin typeface="Arial" panose="020B0604020202020204" pitchFamily="34" charset="0"/>
+              <a:cs typeface="Arial" panose="020B0604020202020204" pitchFamily="34" charset="0"/>
+            </a:endParaRPr>
+          </a:p>
+          <a:p>
+            <a:endParaRPr lang="en-US" dirty="0">
+              <a:latin typeface="Arial" panose="020B0604020202020204" pitchFamily="34" charset="0"/>
+              <a:cs typeface="Arial" panose="020B0604020202020204" pitchFamily="34" charset="0"/>
+            </a:endParaRPr>
+          </a:p>
+        </p:txBody>
+      </p:sp>
+      <p:pic>
+        <p:nvPicPr>
+          <p:cNvPr id="5" name="Picture 4"/>
+          <p:cNvPicPr>
+            <a:picLocks noChangeAspect="1"/>
+          </p:cNvPicPr>
+          <p:nvPr/>
+        </p:nvPicPr>
+        <p:blipFill>
+          <a:blip r:embed="rId2"/>
+          <a:stretch>
+            <a:fillRect/>
+          </a:stretch>
+        </p:blipFill>
+        <p:spPr>
+          <a:xfrm>
+            <a:off x="677334" y="3344862"/>
+            <a:ext cx="4933950" cy="1019175"/>
+          </a:xfrm>
+          <a:prstGeom prst="rect">
+            <a:avLst/>
+          </a:prstGeom>
+        </p:spPr>
+      </p:pic>
+    </p:spTree>
+    <p:extLst>
+      <p:ext uri="{BB962C8B-B14F-4D97-AF65-F5344CB8AC3E}">
+        <p14:creationId xmlns:p14="http://schemas.microsoft.com/office/powerpoint/2010/main" val="4222781136"/>
+      </p:ext>
+    </p:extLst>
+  </p:cSld>
+  <p:clrMapOvr>
+    <a:masterClrMapping/>
+  </p:clrMapOvr>
+</p:sld>
+</file>
+
+<file path=ppt/slides/slide26.xml><?xml version="1.0" encoding="utf-8"?>
+<p:sld xmlns:a="http://schemas.openxmlformats.org/drawingml/2006/main" xmlns:r="http://schemas.openxmlformats.org/officeDocument/2006/relationships" xmlns:p="http://schemas.openxmlformats.org/presentationml/2006/main">
+  <p:cSld>
+    <p:spTree>
+      <p:nvGrpSpPr>
+        <p:cNvPr id="1" name=""/>
+        <p:cNvGrpSpPr/>
+        <p:nvPr/>
+      </p:nvGrpSpPr>
+      <p:grpSpPr>
+        <a:xfrm>
+          <a:off x="0" y="0"/>
+          <a:ext cx="0" cy="0"/>
+          <a:chOff x="0" y="0"/>
+          <a:chExt cx="0" cy="0"/>
+        </a:xfrm>
+      </p:grpSpPr>
+      <p:sp>
+        <p:nvSpPr>
+          <p:cNvPr id="2" name="Title 1"/>
+          <p:cNvSpPr>
+            <a:spLocks noGrp="1"/>
+          </p:cNvSpPr>
+          <p:nvPr>
+            <p:ph type="title"/>
+          </p:nvPr>
+        </p:nvSpPr>
+        <p:spPr/>
+        <p:txBody>
+          <a:bodyPr/>
+          <a:lstStyle/>
+          <a:p>
+            <a:r>
+              <a:rPr lang="en-US" dirty="0">
+                <a:latin typeface="Arial" panose="020B0604020202020204" pitchFamily="34" charset="0"/>
+                <a:cs typeface="Arial" panose="020B0604020202020204" pitchFamily="34" charset="0"/>
+              </a:rPr>
+              <a:t>batchUpdate</a:t>
+            </a:r>
+            <a:endParaRPr lang="en-US" dirty="0">
+              <a:latin typeface="Arial" panose="020B0604020202020204" pitchFamily="34" charset="0"/>
+              <a:cs typeface="Arial" panose="020B0604020202020204" pitchFamily="34" charset="0"/>
+            </a:endParaRPr>
+          </a:p>
+        </p:txBody>
+      </p:sp>
+      <p:sp>
+        <p:nvSpPr>
+          <p:cNvPr id="3" name="Content Placeholder 2"/>
+          <p:cNvSpPr>
+            <a:spLocks noGrp="1"/>
+          </p:cNvSpPr>
+          <p:nvPr>
+            <p:ph idx="1"/>
+          </p:nvPr>
+        </p:nvSpPr>
+        <p:spPr/>
+        <p:txBody>
+          <a:bodyPr/>
+          <a:lstStyle/>
+          <a:p>
+            <a:r>
+              <a:rPr lang="vi-VN" dirty="0">
+                <a:cs typeface="Arial" panose="020B0604020202020204" pitchFamily="34" charset="0"/>
+              </a:rPr>
+              <a:t>Thực hiện nhiều câu lệnh </a:t>
+            </a:r>
+            <a:r>
+              <a:rPr lang="en-US" dirty="0" smtClean="0">
+                <a:cs typeface="Arial" panose="020B0604020202020204" pitchFamily="34" charset="0"/>
+              </a:rPr>
+              <a:t>update </a:t>
+            </a:r>
+            <a:r>
+              <a:rPr lang="vi-VN" dirty="0" smtClean="0">
+                <a:cs typeface="Arial" panose="020B0604020202020204" pitchFamily="34" charset="0"/>
+              </a:rPr>
+              <a:t>cùng </a:t>
+            </a:r>
+            <a:r>
+              <a:rPr lang="vi-VN" dirty="0">
+                <a:cs typeface="Arial" panose="020B0604020202020204" pitchFamily="34" charset="0"/>
+              </a:rPr>
+              <a:t>lúc.</a:t>
+            </a:r>
+            <a:endParaRPr lang="en-US" dirty="0">
+              <a:latin typeface="Arial" panose="020B0604020202020204" pitchFamily="34" charset="0"/>
+              <a:cs typeface="Arial" panose="020B0604020202020204" pitchFamily="34" charset="0"/>
+            </a:endParaRPr>
+          </a:p>
+          <a:p>
+            <a:endParaRPr lang="en-US" dirty="0">
+              <a:latin typeface="Arial" panose="020B0604020202020204" pitchFamily="34" charset="0"/>
+              <a:cs typeface="Arial" panose="020B0604020202020204" pitchFamily="34" charset="0"/>
+            </a:endParaRPr>
+          </a:p>
+        </p:txBody>
+      </p:sp>
+    </p:spTree>
+    <p:extLst>
+      <p:ext uri="{BB962C8B-B14F-4D97-AF65-F5344CB8AC3E}">
+        <p14:creationId xmlns:p14="http://schemas.microsoft.com/office/powerpoint/2010/main" val="2205083019"/>
+      </p:ext>
+    </p:extLst>
+  </p:cSld>
+  <p:clrMapOvr>
+    <a:masterClrMapping/>
+  </p:clrMapOvr>
+</p:sld>
+</file>
+
+<file path=ppt/slides/slide27.xml><?xml version="1.0" encoding="utf-8"?>
+<p:sld xmlns:a="http://schemas.openxmlformats.org/drawingml/2006/main" xmlns:r="http://schemas.openxmlformats.org/officeDocument/2006/relationships" xmlns:p="http://schemas.openxmlformats.org/presentationml/2006/main">
+  <p:cSld>
+    <p:spTree>
+      <p:nvGrpSpPr>
+        <p:cNvPr id="1" name=""/>
+        <p:cNvGrpSpPr/>
+        <p:nvPr/>
+      </p:nvGrpSpPr>
+      <p:grpSpPr>
+        <a:xfrm>
+          <a:off x="0" y="0"/>
+          <a:ext cx="0" cy="0"/>
+          <a:chOff x="0" y="0"/>
+          <a:chExt cx="0" cy="0"/>
+        </a:xfrm>
+      </p:grpSpPr>
+      <p:sp>
+        <p:nvSpPr>
+          <p:cNvPr id="2" name="Title 1"/>
+          <p:cNvSpPr>
+            <a:spLocks noGrp="1"/>
+          </p:cNvSpPr>
+          <p:nvPr>
+            <p:ph type="title"/>
+          </p:nvPr>
+        </p:nvSpPr>
+        <p:spPr/>
+        <p:txBody>
+          <a:bodyPr/>
+          <a:lstStyle/>
+          <a:p>
+            <a:r>
+              <a:rPr lang="en-US" dirty="0">
+                <a:latin typeface="Arial" panose="020B0604020202020204" pitchFamily="34" charset="0"/>
+                <a:cs typeface="Arial" panose="020B0604020202020204" pitchFamily="34" charset="0"/>
+              </a:rPr>
+              <a:t>NamedParameterJdbcTemplate</a:t>
+            </a:r>
+            <a:endParaRPr lang="en-US" dirty="0">
+              <a:latin typeface="Arial" panose="020B0604020202020204" pitchFamily="34" charset="0"/>
+              <a:cs typeface="Arial" panose="020B0604020202020204" pitchFamily="34" charset="0"/>
+            </a:endParaRPr>
+          </a:p>
+        </p:txBody>
+      </p:sp>
+      <p:sp>
+        <p:nvSpPr>
+          <p:cNvPr id="3" name="Content Placeholder 2"/>
+          <p:cNvSpPr>
+            <a:spLocks noGrp="1"/>
+          </p:cNvSpPr>
+          <p:nvPr>
+            <p:ph idx="1"/>
+          </p:nvPr>
+        </p:nvSpPr>
+        <p:spPr/>
+        <p:txBody>
+          <a:bodyPr/>
+          <a:lstStyle/>
+          <a:p>
+            <a:r>
+              <a:rPr lang="vi-VN" dirty="0">
+                <a:cs typeface="Arial" panose="020B0604020202020204" pitchFamily="34" charset="0"/>
+              </a:rPr>
+              <a:t>Sử dụng tên tham số thay vì sử dụng ? cho các giá trị tham số, giúp mã dễ đọc và bảo trì hơn</a:t>
+            </a:r>
+            <a:r>
+              <a:rPr lang="vi-VN" dirty="0" smtClean="0">
+                <a:cs typeface="Arial" panose="020B0604020202020204" pitchFamily="34" charset="0"/>
+              </a:rPr>
+              <a:t>.</a:t>
+            </a:r>
+            <a:endParaRPr lang="en-US" dirty="0" smtClean="0">
+              <a:cs typeface="Arial" panose="020B0604020202020204" pitchFamily="34" charset="0"/>
+            </a:endParaRPr>
+          </a:p>
+          <a:p>
+            <a:endParaRPr lang="en-US" dirty="0">
+              <a:latin typeface="Arial" panose="020B0604020202020204" pitchFamily="34" charset="0"/>
+              <a:cs typeface="Arial" panose="020B0604020202020204" pitchFamily="34" charset="0"/>
+            </a:endParaRPr>
+          </a:p>
+          <a:p>
+            <a:r>
+              <a:rPr lang="en-US" dirty="0" smtClean="0">
+                <a:latin typeface="Arial" panose="020B0604020202020204" pitchFamily="34" charset="0"/>
+                <a:cs typeface="Arial" panose="020B0604020202020204" pitchFamily="34" charset="0"/>
+              </a:rPr>
+              <a:t>Ví dụ:</a:t>
+            </a:r>
+            <a:endParaRPr lang="en-US" dirty="0">
+              <a:latin typeface="Arial" panose="020B0604020202020204" pitchFamily="34" charset="0"/>
+              <a:cs typeface="Arial" panose="020B0604020202020204" pitchFamily="34" charset="0"/>
+            </a:endParaRPr>
+          </a:p>
+          <a:p>
+            <a:endParaRPr lang="en-US" dirty="0">
+              <a:latin typeface="Arial" panose="020B0604020202020204" pitchFamily="34" charset="0"/>
+              <a:cs typeface="Arial" panose="020B0604020202020204" pitchFamily="34" charset="0"/>
+            </a:endParaRPr>
+          </a:p>
+        </p:txBody>
+      </p:sp>
+      <p:pic>
+        <p:nvPicPr>
+          <p:cNvPr id="4" name="Picture 3"/>
+          <p:cNvPicPr>
+            <a:picLocks noChangeAspect="1"/>
+          </p:cNvPicPr>
+          <p:nvPr/>
+        </p:nvPicPr>
+        <p:blipFill>
+          <a:blip r:embed="rId2"/>
+          <a:stretch>
+            <a:fillRect/>
+          </a:stretch>
+        </p:blipFill>
+        <p:spPr>
+          <a:xfrm>
+            <a:off x="677334" y="3656012"/>
+            <a:ext cx="6943725" cy="1095375"/>
+          </a:xfrm>
+          <a:prstGeom prst="rect">
+            <a:avLst/>
+          </a:prstGeom>
+        </p:spPr>
+      </p:pic>
+      <p:pic>
+        <p:nvPicPr>
+          <p:cNvPr id="5" name="Picture 4"/>
+          <p:cNvPicPr>
+            <a:picLocks noChangeAspect="1"/>
+          </p:cNvPicPr>
+          <p:nvPr/>
+        </p:nvPicPr>
+        <p:blipFill>
+          <a:blip r:embed="rId3"/>
+          <a:stretch>
+            <a:fillRect/>
+          </a:stretch>
+        </p:blipFill>
+        <p:spPr>
+          <a:xfrm>
+            <a:off x="677334" y="4813300"/>
+            <a:ext cx="6734175" cy="1752600"/>
+          </a:xfrm>
+          <a:prstGeom prst="rect">
+            <a:avLst/>
+          </a:prstGeom>
+        </p:spPr>
+      </p:pic>
+    </p:spTree>
+    <p:extLst>
+      <p:ext uri="{BB962C8B-B14F-4D97-AF65-F5344CB8AC3E}">
+        <p14:creationId xmlns:p14="http://schemas.microsoft.com/office/powerpoint/2010/main" val="3205141868"/>
+      </p:ext>
+    </p:extLst>
+  </p:cSld>
+  <p:clrMapOvr>
+    <a:masterClrMapping/>
+  </p:clrMapOvr>
+</p:sld>
+</file>
+
+<file path=ppt/slides/slide28.xml><?xml version="1.0" encoding="utf-8"?>
+<p:sld xmlns:a="http://schemas.openxmlformats.org/drawingml/2006/main" xmlns:r="http://schemas.openxmlformats.org/officeDocument/2006/relationships" xmlns:p="http://schemas.openxmlformats.org/presentationml/2006/main">
+  <p:cSld>
+    <p:spTree>
+      <p:nvGrpSpPr>
+        <p:cNvPr id="1" name=""/>
+        <p:cNvGrpSpPr/>
+        <p:nvPr/>
+      </p:nvGrpSpPr>
+      <p:grpSpPr>
+        <a:xfrm>
+          <a:off x="0" y="0"/>
+          <a:ext cx="0" cy="0"/>
+          <a:chOff x="0" y="0"/>
+          <a:chExt cx="0" cy="0"/>
+        </a:xfrm>
+      </p:grpSpPr>
+      <p:sp>
+        <p:nvSpPr>
+          <p:cNvPr id="2" name="Title 1"/>
+          <p:cNvSpPr>
+            <a:spLocks noGrp="1"/>
+          </p:cNvSpPr>
+          <p:nvPr>
+            <p:ph type="title"/>
+          </p:nvPr>
+        </p:nvSpPr>
+        <p:spPr/>
+        <p:txBody>
+          <a:bodyPr/>
+          <a:lstStyle/>
+          <a:p>
+            <a:r>
+              <a:rPr lang="en-US" dirty="0" smtClean="0">
+                <a:latin typeface="Arial" panose="020B0604020202020204" pitchFamily="34" charset="0"/>
+                <a:cs typeface="Arial" panose="020B0604020202020204" pitchFamily="34" charset="0"/>
+              </a:rPr>
+              <a:t>Exercise</a:t>
+            </a:r>
+            <a:endParaRPr lang="en-US" dirty="0">
+              <a:latin typeface="Arial" panose="020B0604020202020204" pitchFamily="34" charset="0"/>
+              <a:cs typeface="Arial" panose="020B0604020202020204" pitchFamily="34" charset="0"/>
+            </a:endParaRPr>
+          </a:p>
+        </p:txBody>
+      </p:sp>
+      <p:sp>
+        <p:nvSpPr>
+          <p:cNvPr id="3" name="Content Placeholder 2"/>
+          <p:cNvSpPr>
+            <a:spLocks noGrp="1"/>
+          </p:cNvSpPr>
+          <p:nvPr>
+            <p:ph idx="1"/>
+          </p:nvPr>
+        </p:nvSpPr>
+        <p:spPr/>
+        <p:txBody>
+          <a:bodyPr/>
+          <a:lstStyle/>
+          <a:p>
+            <a:r>
+              <a:rPr lang="en-US" dirty="0">
+                <a:latin typeface="Arial" panose="020B0604020202020204" pitchFamily="34" charset="0"/>
+                <a:cs typeface="Arial" panose="020B0604020202020204" pitchFamily="34" charset="0"/>
+              </a:rPr>
+              <a:t>Tạo </a:t>
+            </a:r>
+            <a:r>
+              <a:rPr lang="en-US" dirty="0" smtClean="0">
+                <a:latin typeface="Arial" panose="020B0604020202020204" pitchFamily="34" charset="0"/>
+                <a:cs typeface="Arial" panose="020B0604020202020204" pitchFamily="34" charset="0"/>
+              </a:rPr>
+              <a:t>file:</a:t>
+            </a:r>
+          </a:p>
+          <a:p>
+            <a:pPr lvl="1"/>
+            <a:r>
+              <a:rPr lang="en-US" dirty="0" smtClean="0">
+                <a:latin typeface="Arial" panose="020B0604020202020204" pitchFamily="34" charset="0"/>
+                <a:cs typeface="Arial" panose="020B0604020202020204" pitchFamily="34" charset="0"/>
+              </a:rPr>
+              <a:t>src/main/resources/schema.sql (Tạo table)</a:t>
+            </a:r>
+          </a:p>
+          <a:p>
+            <a:pPr lvl="1"/>
+            <a:r>
+              <a:rPr lang="en-US" dirty="0" smtClean="0">
+                <a:latin typeface="Arial" panose="020B0604020202020204" pitchFamily="34" charset="0"/>
+                <a:cs typeface="Arial" panose="020B0604020202020204" pitchFamily="34" charset="0"/>
+              </a:rPr>
+              <a:t>src/main/resources/data.sql (Tạo data)</a:t>
+            </a:r>
+            <a:endParaRPr lang="en-US" dirty="0">
+              <a:latin typeface="Arial" panose="020B0604020202020204" pitchFamily="34" charset="0"/>
+              <a:cs typeface="Arial" panose="020B0604020202020204" pitchFamily="34" charset="0"/>
+            </a:endParaRPr>
+          </a:p>
+          <a:p>
+            <a:endParaRPr lang="en-US" dirty="0" smtClean="0">
+              <a:latin typeface="Arial" panose="020B0604020202020204" pitchFamily="34" charset="0"/>
+              <a:cs typeface="Arial" panose="020B0604020202020204" pitchFamily="34" charset="0"/>
+            </a:endParaRPr>
+          </a:p>
+          <a:p>
+            <a:endParaRPr lang="en-US" dirty="0">
+              <a:latin typeface="Arial" panose="020B0604020202020204" pitchFamily="34" charset="0"/>
+              <a:cs typeface="Arial" panose="020B0604020202020204" pitchFamily="34" charset="0"/>
+            </a:endParaRPr>
+          </a:p>
+          <a:p>
+            <a:r>
+              <a:rPr lang="en-US" dirty="0" smtClean="0">
+                <a:latin typeface="Arial" panose="020B0604020202020204" pitchFamily="34" charset="0"/>
+                <a:cs typeface="Arial" panose="020B0604020202020204" pitchFamily="34" charset="0"/>
+              </a:rPr>
+              <a:t>Cách cấu hình để khi start app sẽ tự động tạo table + data</a:t>
+            </a:r>
+          </a:p>
+          <a:p>
+            <a:endParaRPr lang="en-US" dirty="0">
+              <a:latin typeface="Arial" panose="020B0604020202020204" pitchFamily="34" charset="0"/>
+              <a:cs typeface="Arial" panose="020B0604020202020204" pitchFamily="34" charset="0"/>
+            </a:endParaRPr>
+          </a:p>
+        </p:txBody>
+      </p:sp>
+    </p:spTree>
+    <p:extLst>
+      <p:ext uri="{BB962C8B-B14F-4D97-AF65-F5344CB8AC3E}">
+        <p14:creationId xmlns:p14="http://schemas.microsoft.com/office/powerpoint/2010/main" val="3614841683"/>
+      </p:ext>
+    </p:extLst>
+  </p:cSld>
+  <p:clrMapOvr>
+    <a:masterClrMapping/>
+  </p:clrMapOvr>
+</p:sld>
+</file>
+
 <file path=ppt/slides/slide3.xml><?xml version="1.0" encoding="utf-8"?>
 <p:sld xmlns:a="http://schemas.openxmlformats.org/drawingml/2006/main" xmlns:r="http://schemas.openxmlformats.org/officeDocument/2006/relationships" xmlns:p="http://schemas.openxmlformats.org/presentationml/2006/main">
   <p:cSld>
@@ -6878,14 +9161,7 @@
                 <a:latin typeface="Arial" panose="020B0604020202020204" pitchFamily="34" charset="0"/>
                 <a:cs typeface="Arial" panose="020B0604020202020204" pitchFamily="34" charset="0"/>
               </a:rPr>
-              <a:t>spring.datasource.password</a:t>
-            </a:r>
-            <a:r>
-              <a:rPr lang="en-US" dirty="0" smtClean="0">
-                <a:latin typeface="Arial" panose="020B0604020202020204" pitchFamily="34" charset="0"/>
-                <a:cs typeface="Arial" panose="020B0604020202020204" pitchFamily="34" charset="0"/>
-              </a:rPr>
-              <a:t>=</a:t>
+              <a:t>spring.datasource.password=</a:t>
             </a:r>
           </a:p>
           <a:p>
@@ -6903,10 +9179,6 @@
               </a:rPr>
               <a:t>Tùy vào DB mà cấu hình sẽ khác nhau.</a:t>
             </a:r>
-            <a:endParaRPr lang="en-US" dirty="0" smtClean="0">
-              <a:latin typeface="Arial" panose="020B0604020202020204" pitchFamily="34" charset="0"/>
-              <a:cs typeface="Arial" panose="020B0604020202020204" pitchFamily="34" charset="0"/>
-            </a:endParaRPr>
           </a:p>
           <a:p>
             <a:endParaRPr lang="en-US" dirty="0">
@@ -7307,10 +9579,6 @@
               </a:rPr>
               <a:t>VD ta có table như sau:</a:t>
             </a:r>
-            <a:endParaRPr lang="en-US" dirty="0" smtClean="0">
-              <a:latin typeface="Arial" panose="020B0604020202020204" pitchFamily="34" charset="0"/>
-              <a:cs typeface="Arial" panose="020B0604020202020204" pitchFamily="34" charset="0"/>
-            </a:endParaRPr>
           </a:p>
           <a:p>
             <a:endParaRPr lang="en-US" dirty="0">
@@ -7322,7 +9590,7 @@
       </p:sp>
       <p:pic>
         <p:nvPicPr>
-          <p:cNvPr id="5" name="Picture 4"/>
+          <p:cNvPr id="4" name="Picture 3"/>
           <p:cNvPicPr>
             <a:picLocks noChangeAspect="1"/>
           </p:cNvPicPr>
@@ -7336,8 +9604,8 @@
         </p:blipFill>
         <p:spPr>
           <a:xfrm>
-            <a:off x="677334" y="2632075"/>
-            <a:ext cx="3971925" cy="1581150"/>
+            <a:off x="677334" y="2643187"/>
+            <a:ext cx="4019550" cy="2486025"/>
           </a:xfrm>
           <a:prstGeom prst="rect">
             <a:avLst/>
@@ -7396,10 +9664,6 @@
               </a:rPr>
               <a:t>JdbcTemplate</a:t>
             </a:r>
-            <a:endParaRPr lang="en-US" dirty="0">
-              <a:latin typeface="Arial" panose="020B0604020202020204" pitchFamily="34" charset="0"/>
-              <a:cs typeface="Arial" panose="020B0604020202020204" pitchFamily="34" charset="0"/>
-            </a:endParaRPr>
           </a:p>
         </p:txBody>
       </p:sp>
@@ -7570,10 +9834,6 @@
               </a:rPr>
               <a:t>JdbcTemplate</a:t>
             </a:r>
-            <a:endParaRPr lang="en-US" dirty="0">
-              <a:latin typeface="Arial" panose="020B0604020202020204" pitchFamily="34" charset="0"/>
-              <a:cs typeface="Arial" panose="020B0604020202020204" pitchFamily="34" charset="0"/>
-            </a:endParaRPr>
           </a:p>
         </p:txBody>
       </p:sp>
